--- a/poster.pptx
+++ b/poster.pptx
@@ -5469,7 +5469,7 @@
               <a:graphicData uri="http://schemas.openxmlformats.org/presentationml/2006/ole">
                 <mc:AlternateContent xmlns:mc="http://schemas.openxmlformats.org/markup-compatibility/2006">
                   <mc:Choice xmlns:v="urn:schemas-microsoft-com:vml" Requires="v">
-                    <p:oleObj spid="_x0000_s1128" name="Image" r:id="rId8" imgW="1828440" imgH="1117440" progId="Photoshop.Image.13">
+                    <p:oleObj spid="_x0000_s1169" name="Image" r:id="rId8" imgW="1828440" imgH="1117440" progId="Photoshop.Image.13">
                       <p:embed/>
                     </p:oleObj>
                   </mc:Choice>
@@ -5526,7 +5526,7 @@
               <a:graphicData uri="http://schemas.openxmlformats.org/presentationml/2006/ole">
                 <mc:AlternateContent xmlns:mc="http://schemas.openxmlformats.org/markup-compatibility/2006">
                   <mc:Choice xmlns:v="urn:schemas-microsoft-com:vml" Requires="v">
-                    <p:oleObj spid="_x0000_s1129" name="Image" r:id="rId10" imgW="1828440" imgH="1117440" progId="Photoshop.Image.13">
+                    <p:oleObj spid="_x0000_s1170" name="Image" r:id="rId10" imgW="1828440" imgH="1117440" progId="Photoshop.Image.13">
                       <p:embed/>
                     </p:oleObj>
                   </mc:Choice>
@@ -6654,7 +6654,7 @@
             <a:graphicData uri="http://schemas.openxmlformats.org/presentationml/2006/ole">
               <mc:AlternateContent xmlns:mc="http://schemas.openxmlformats.org/markup-compatibility/2006">
                 <mc:Choice xmlns:v="urn:schemas-microsoft-com:vml" Requires="v">
-                  <p:oleObj spid="_x0000_s1130" name="Image" r:id="rId12" imgW="4571280" imgH="1688760" progId="Photoshop.Image.13">
+                  <p:oleObj spid="_x0000_s1171" name="Image" r:id="rId12" imgW="4571280" imgH="1688760" progId="Photoshop.Image.13">
                     <p:embed/>
                   </p:oleObj>
                 </mc:Choice>
@@ -6738,7 +6738,7 @@
             <a:graphicData uri="http://schemas.openxmlformats.org/presentationml/2006/ole">
               <mc:AlternateContent xmlns:mc="http://schemas.openxmlformats.org/markup-compatibility/2006">
                 <mc:Choice xmlns:v="urn:schemas-microsoft-com:vml" Requires="v">
-                  <p:oleObj spid="_x0000_s1131" name="Image" r:id="rId15" imgW="1574280" imgH="1053720" progId="Photoshop.Image.13">
+                  <p:oleObj spid="_x0000_s1172" name="Image" r:id="rId15" imgW="1574280" imgH="1053720" progId="Photoshop.Image.13">
                     <p:embed/>
                   </p:oleObj>
                 </mc:Choice>
@@ -8695,7 +8695,7 @@
             <a:graphicData uri="http://schemas.openxmlformats.org/presentationml/2006/ole">
               <mc:AlternateContent xmlns:mc="http://schemas.openxmlformats.org/markup-compatibility/2006">
                 <mc:Choice xmlns:v="urn:schemas-microsoft-com:vml" Requires="v">
-                  <p:oleObj spid="_x0000_s2152" name="Image" r:id="rId4" imgW="4571280" imgH="1688760" progId="Photoshop.Image.13">
+                  <p:oleObj spid="_x0000_s2193" name="Image" r:id="rId4" imgW="4571280" imgH="1688760" progId="Photoshop.Image.13">
                     <p:embed/>
                   </p:oleObj>
                 </mc:Choice>
@@ -8779,7 +8779,7 @@
             <a:graphicData uri="http://schemas.openxmlformats.org/presentationml/2006/ole">
               <mc:AlternateContent xmlns:mc="http://schemas.openxmlformats.org/markup-compatibility/2006">
                 <mc:Choice xmlns:v="urn:schemas-microsoft-com:vml" Requires="v">
-                  <p:oleObj spid="_x0000_s2153" name="Image" r:id="rId7" imgW="1574280" imgH="1053720" progId="Photoshop.Image.13">
+                  <p:oleObj spid="_x0000_s2194" name="Image" r:id="rId7" imgW="1574280" imgH="1053720" progId="Photoshop.Image.13">
                     <p:embed/>
                   </p:oleObj>
                 </mc:Choice>
@@ -10175,7 +10175,7 @@
               <a:graphicData uri="http://schemas.openxmlformats.org/presentationml/2006/ole">
                 <mc:AlternateContent xmlns:mc="http://schemas.openxmlformats.org/markup-compatibility/2006">
                   <mc:Choice xmlns:v="urn:schemas-microsoft-com:vml" Requires="v">
-                    <p:oleObj spid="_x0000_s2154" name="Image" r:id="rId15" imgW="1828440" imgH="1117440" progId="Photoshop.Image.13">
+                    <p:oleObj spid="_x0000_s2195" name="Image" r:id="rId15" imgW="1828440" imgH="1117440" progId="Photoshop.Image.13">
                       <p:embed/>
                     </p:oleObj>
                   </mc:Choice>
@@ -10232,7 +10232,7 @@
               <a:graphicData uri="http://schemas.openxmlformats.org/presentationml/2006/ole">
                 <mc:AlternateContent xmlns:mc="http://schemas.openxmlformats.org/markup-compatibility/2006">
                   <mc:Choice xmlns:v="urn:schemas-microsoft-com:vml" Requires="v">
-                    <p:oleObj spid="_x0000_s2155" name="Image" r:id="rId17" imgW="1828440" imgH="1117440" progId="Photoshop.Image.13">
+                    <p:oleObj spid="_x0000_s2196" name="Image" r:id="rId17" imgW="1828440" imgH="1117440" progId="Photoshop.Image.13">
                       <p:embed/>
                     </p:oleObj>
                   </mc:Choice>
@@ -12144,7 +12144,7 @@
             <a:graphicData uri="http://schemas.openxmlformats.org/presentationml/2006/ole">
               <mc:AlternateContent xmlns:mc="http://schemas.openxmlformats.org/markup-compatibility/2006">
                 <mc:Choice xmlns:v="urn:schemas-microsoft-com:vml" Requires="v">
-                  <p:oleObj spid="_x0000_s3176" name="Image" r:id="rId4" imgW="4571280" imgH="1688760" progId="Photoshop.Image.13">
+                  <p:oleObj spid="_x0000_s3217" name="Image" r:id="rId4" imgW="4571280" imgH="1688760" progId="Photoshop.Image.13">
                     <p:embed/>
                   </p:oleObj>
                 </mc:Choice>
@@ -12228,7 +12228,7 @@
             <a:graphicData uri="http://schemas.openxmlformats.org/presentationml/2006/ole">
               <mc:AlternateContent xmlns:mc="http://schemas.openxmlformats.org/markup-compatibility/2006">
                 <mc:Choice xmlns:v="urn:schemas-microsoft-com:vml" Requires="v">
-                  <p:oleObj spid="_x0000_s3177" name="Image" r:id="rId7" imgW="1574280" imgH="1053720" progId="Photoshop.Image.13">
+                  <p:oleObj spid="_x0000_s3218" name="Image" r:id="rId7" imgW="1574280" imgH="1053720" progId="Photoshop.Image.13">
                     <p:embed/>
                   </p:oleObj>
                 </mc:Choice>
@@ -13624,7 +13624,7 @@
               <a:graphicData uri="http://schemas.openxmlformats.org/presentationml/2006/ole">
                 <mc:AlternateContent xmlns:mc="http://schemas.openxmlformats.org/markup-compatibility/2006">
                   <mc:Choice xmlns:v="urn:schemas-microsoft-com:vml" Requires="v">
-                    <p:oleObj spid="_x0000_s3178" name="Image" r:id="rId15" imgW="1828440" imgH="1117440" progId="Photoshop.Image.13">
+                    <p:oleObj spid="_x0000_s3219" name="Image" r:id="rId15" imgW="1828440" imgH="1117440" progId="Photoshop.Image.13">
                       <p:embed/>
                     </p:oleObj>
                   </mc:Choice>
@@ -13681,7 +13681,7 @@
               <a:graphicData uri="http://schemas.openxmlformats.org/presentationml/2006/ole">
                 <mc:AlternateContent xmlns:mc="http://schemas.openxmlformats.org/markup-compatibility/2006">
                   <mc:Choice xmlns:v="urn:schemas-microsoft-com:vml" Requires="v">
-                    <p:oleObj spid="_x0000_s3179" name="Image" r:id="rId17" imgW="1828440" imgH="1117440" progId="Photoshop.Image.13">
+                    <p:oleObj spid="_x0000_s3220" name="Image" r:id="rId17" imgW="1828440" imgH="1117440" progId="Photoshop.Image.13">
                       <p:embed/>
                     </p:oleObj>
                   </mc:Choice>
@@ -14512,13 +14512,55 @@
       </p:grpSpPr>
       <p:sp>
         <p:nvSpPr>
-          <p:cNvPr id="29" name="TextBox 28"/>
+          <p:cNvPr id="63" name="TextBox 62"/>
           <p:cNvSpPr txBox="1"/>
           <p:nvPr/>
         </p:nvSpPr>
         <p:spPr>
           <a:xfrm>
-            <a:off x="19457728" y="4843583"/>
+            <a:off x="1002312" y="4843582"/>
+            <a:ext cx="8592195" cy="22725577"/>
+          </a:xfrm>
+          <a:prstGeom prst="rect">
+            <a:avLst/>
+          </a:prstGeom>
+        </p:spPr>
+        <p:style>
+          <a:lnRef idx="2">
+            <a:schemeClr val="accent1"/>
+          </a:lnRef>
+          <a:fillRef idx="1">
+            <a:schemeClr val="lt1"/>
+          </a:fillRef>
+          <a:effectRef idx="0">
+            <a:schemeClr val="accent1"/>
+          </a:effectRef>
+          <a:fontRef idx="minor">
+            <a:schemeClr val="dk1"/>
+          </a:fontRef>
+        </p:style>
+        <p:txBody>
+          <a:bodyPr wrap="square" rtlCol="0">
+            <a:spAutoFit/>
+          </a:bodyPr>
+          <a:lstStyle/>
+          <a:p>
+            <a:endParaRPr lang="en-US" sz="2500" dirty="0">
+              <a:latin typeface="Times New Roman" panose="02020603050405020304" pitchFamily="18" charset="0"/>
+              <a:cs typeface="Times New Roman" panose="02020603050405020304" pitchFamily="18" charset="0"/>
+            </a:endParaRPr>
+          </a:p>
+        </p:txBody>
+      </p:sp>
+      <p:sp>
+        <p:nvSpPr>
+          <p:cNvPr id="62" name="TextBox 61"/>
+          <p:cNvSpPr txBox="1"/>
+          <p:nvPr/>
+        </p:nvSpPr>
+        <p:spPr>
+          <a:xfrm>
+            <a:off x="10228480" y="4788931"/>
             <a:ext cx="8792765" cy="22725577"/>
           </a:xfrm>
           <a:prstGeom prst="rect">
@@ -14554,55 +14596,13 @@
       </p:sp>
       <p:sp>
         <p:nvSpPr>
-          <p:cNvPr id="28" name="TextBox 27"/>
+          <p:cNvPr id="29" name="TextBox 28"/>
           <p:cNvSpPr txBox="1"/>
           <p:nvPr/>
         </p:nvSpPr>
         <p:spPr>
           <a:xfrm>
-            <a:off x="764853" y="4843583"/>
-            <a:ext cx="8792765" cy="22725577"/>
-          </a:xfrm>
-          <a:prstGeom prst="rect">
-            <a:avLst/>
-          </a:prstGeom>
-        </p:spPr>
-        <p:style>
-          <a:lnRef idx="2">
-            <a:schemeClr val="accent1"/>
-          </a:lnRef>
-          <a:fillRef idx="1">
-            <a:schemeClr val="lt1"/>
-          </a:fillRef>
-          <a:effectRef idx="0">
-            <a:schemeClr val="accent1"/>
-          </a:effectRef>
-          <a:fontRef idx="minor">
-            <a:schemeClr val="dk1"/>
-          </a:fontRef>
-        </p:style>
-        <p:txBody>
-          <a:bodyPr wrap="square" rtlCol="0">
-            <a:spAutoFit/>
-          </a:bodyPr>
-          <a:lstStyle/>
-          <a:p>
-            <a:endParaRPr lang="en-US" sz="2500" dirty="0">
-              <a:latin typeface="Times New Roman" panose="02020603050405020304" pitchFamily="18" charset="0"/>
-              <a:cs typeface="Times New Roman" panose="02020603050405020304" pitchFamily="18" charset="0"/>
-            </a:endParaRPr>
-          </a:p>
-        </p:txBody>
-      </p:sp>
-      <p:sp>
-        <p:nvSpPr>
-          <p:cNvPr id="9" name="TextBox 8"/>
-          <p:cNvSpPr txBox="1"/>
-          <p:nvPr/>
-        </p:nvSpPr>
-        <p:spPr>
-          <a:xfrm>
-            <a:off x="10120450" y="4843583"/>
+            <a:off x="19457728" y="4843583"/>
             <a:ext cx="8792765" cy="22725577"/>
           </a:xfrm>
           <a:prstGeom prst="rect">
@@ -14711,32 +14711,9 @@
                   <a:srgbClr val="002060"/>
                 </a:solidFill>
               </a:rPr>
-              <a:t>DATA</a:t>
+              <a:t>DATA COLLECTION</a:t>
             </a:r>
             <a:endParaRPr lang="en-US" u="none" dirty="0">
-              <a:solidFill>
-                <a:srgbClr val="002060"/>
-              </a:solidFill>
-            </a:endParaRPr>
-          </a:p>
-        </p:txBody>
-      </p:sp>
-      <p:sp>
-        <p:nvSpPr>
-          <p:cNvPr id="22" name="Text Placeholder 21"/>
-          <p:cNvSpPr>
-            <a:spLocks noGrp="1"/>
-          </p:cNvSpPr>
-          <p:nvPr>
-            <p:ph type="body" sz="quarter" idx="21"/>
-          </p:nvPr>
-        </p:nvSpPr>
-        <p:spPr/>
-        <p:txBody>
-          <a:bodyPr/>
-          <a:lstStyle/>
-          <a:p>
-            <a:endParaRPr lang="en-US">
               <a:solidFill>
                 <a:srgbClr val="002060"/>
               </a:solidFill>
@@ -14770,32 +14747,9 @@
                   <a:srgbClr val="002060"/>
                 </a:solidFill>
               </a:rPr>
-              <a:t>SALARY ANALYSIS</a:t>
+              <a:t>CHALLENGES</a:t>
             </a:r>
             <a:endParaRPr lang="en-US" u="none" dirty="0">
-              <a:solidFill>
-                <a:srgbClr val="002060"/>
-              </a:solidFill>
-            </a:endParaRPr>
-          </a:p>
-        </p:txBody>
-      </p:sp>
-      <p:sp>
-        <p:nvSpPr>
-          <p:cNvPr id="24" name="Text Placeholder 23"/>
-          <p:cNvSpPr>
-            <a:spLocks noGrp="1"/>
-          </p:cNvSpPr>
-          <p:nvPr>
-            <p:ph type="body" sz="quarter" idx="23"/>
-          </p:nvPr>
-        </p:nvSpPr>
-        <p:spPr/>
-        <p:txBody>
-          <a:bodyPr/>
-          <a:lstStyle/>
-          <a:p>
-            <a:endParaRPr lang="en-US">
               <a:solidFill>
                 <a:srgbClr val="002060"/>
               </a:solidFill>
@@ -14842,29 +14796,6 @@
           </p:cNvSpPr>
           <p:nvPr>
             <p:ph type="body" sz="quarter" idx="26"/>
-          </p:nvPr>
-        </p:nvSpPr>
-        <p:spPr/>
-        <p:txBody>
-          <a:bodyPr/>
-          <a:lstStyle/>
-          <a:p>
-            <a:endParaRPr lang="en-US" dirty="0">
-              <a:solidFill>
-                <a:srgbClr val="002060"/>
-              </a:solidFill>
-            </a:endParaRPr>
-          </a:p>
-        </p:txBody>
-      </p:sp>
-      <p:sp>
-        <p:nvSpPr>
-          <p:cNvPr id="32" name="Text Placeholder 31"/>
-          <p:cNvSpPr>
-            <a:spLocks noGrp="1"/>
-          </p:cNvSpPr>
-          <p:nvPr>
-            <p:ph type="body" sz="quarter" idx="96"/>
           </p:nvPr>
         </p:nvSpPr>
         <p:spPr/>
@@ -15074,7 +15005,7 @@
         </p:blipFill>
         <p:spPr>
           <a:xfrm>
-            <a:off x="10734295" y="12424377"/>
+            <a:off x="10676393" y="12244062"/>
             <a:ext cx="7601712" cy="4303776"/>
           </a:xfrm>
           <a:prstGeom prst="rect">
@@ -15104,8 +15035,8 @@
         </p:blipFill>
         <p:spPr>
           <a:xfrm>
-            <a:off x="20187666" y="11545368"/>
-            <a:ext cx="7363968" cy="7174992"/>
+            <a:off x="20818562" y="9466728"/>
+            <a:ext cx="6071096" cy="5915298"/>
           </a:xfrm>
           <a:prstGeom prst="rect">
             <a:avLst/>
@@ -15180,8 +15111,8 @@
         </p:nvSpPr>
         <p:spPr>
           <a:xfrm>
-            <a:off x="28805412" y="4843583"/>
-            <a:ext cx="8792765" cy="22725577"/>
+            <a:off x="28805413" y="4843583"/>
+            <a:ext cx="8456388" cy="22725577"/>
           </a:xfrm>
           <a:prstGeom prst="rect">
             <a:avLst/>
@@ -15241,6 +15172,536 @@
               <a:solidFill>
                 <a:srgbClr val="002060"/>
               </a:solidFill>
+            </a:endParaRPr>
+          </a:p>
+        </p:txBody>
+      </p:sp>
+      <p:pic>
+        <p:nvPicPr>
+          <p:cNvPr id="4098" name="Picture 2" descr="ata Collection Visual (2).png"/>
+          <p:cNvPicPr>
+            <a:picLocks noChangeAspect="1" noChangeArrowheads="1"/>
+          </p:cNvPicPr>
+          <p:nvPr/>
+        </p:nvPicPr>
+        <p:blipFill>
+          <a:blip r:embed="rId7">
+            <a:extLst>
+              <a:ext uri="{28A0092B-C50C-407E-A947-70E740481C1C}">
+                <a14:useLocalDpi xmlns:a14="http://schemas.microsoft.com/office/drawing/2010/main" val="0"/>
+              </a:ext>
+            </a:extLst>
+          </a:blip>
+          <a:srcRect/>
+          <a:stretch>
+            <a:fillRect/>
+          </a:stretch>
+        </p:blipFill>
+        <p:spPr bwMode="auto">
+          <a:xfrm>
+            <a:off x="1168231" y="13408222"/>
+            <a:ext cx="8045575" cy="6914298"/>
+          </a:xfrm>
+          <a:prstGeom prst="rect">
+            <a:avLst/>
+          </a:prstGeom>
+          <a:noFill/>
+          <a:extLst>
+            <a:ext uri="{909E8E84-426E-40DD-AFC4-6F175D3DCCD1}">
+              <a14:hiddenFill xmlns:a14="http://schemas.microsoft.com/office/drawing/2010/main">
+                <a:solidFill>
+                  <a:srgbClr val="FFFFFF"/>
+                </a:solidFill>
+              </a14:hiddenFill>
+            </a:ext>
+          </a:extLst>
+        </p:spPr>
+      </p:pic>
+      <p:sp>
+        <p:nvSpPr>
+          <p:cNvPr id="59" name="Text Placeholder 22"/>
+          <p:cNvSpPr>
+            <a:spLocks noGrp="1"/>
+          </p:cNvSpPr>
+          <p:nvPr>
+            <p:ph type="body" sz="quarter" idx="22"/>
+          </p:nvPr>
+        </p:nvSpPr>
+        <p:spPr>
+          <a:xfrm>
+            <a:off x="10538442" y="11254640"/>
+            <a:ext cx="7993423" cy="682936"/>
+          </a:xfrm>
+        </p:spPr>
+        <p:txBody>
+          <a:bodyPr/>
+          <a:lstStyle/>
+          <a:p>
+            <a:r>
+              <a:rPr lang="en-US" u="none" dirty="0" smtClean="0">
+                <a:solidFill>
+                  <a:srgbClr val="002060"/>
+                </a:solidFill>
+              </a:rPr>
+              <a:t>SALARY ANALYSIS</a:t>
+            </a:r>
+            <a:endParaRPr lang="en-US" u="none" dirty="0">
+              <a:solidFill>
+                <a:srgbClr val="002060"/>
+              </a:solidFill>
+            </a:endParaRPr>
+          </a:p>
+        </p:txBody>
+      </p:sp>
+      <p:sp>
+        <p:nvSpPr>
+          <p:cNvPr id="60" name="Text Placeholder 24"/>
+          <p:cNvSpPr>
+            <a:spLocks noGrp="1"/>
+          </p:cNvSpPr>
+          <p:nvPr>
+            <p:ph type="body" sz="quarter" idx="24"/>
+          </p:nvPr>
+        </p:nvSpPr>
+        <p:spPr>
+          <a:xfrm>
+            <a:off x="19438021" y="15864902"/>
+            <a:ext cx="8801100" cy="682936"/>
+          </a:xfrm>
+        </p:spPr>
+        <p:txBody>
+          <a:bodyPr/>
+          <a:lstStyle/>
+          <a:p>
+            <a:r>
+              <a:rPr lang="en-US" u="none" dirty="0" smtClean="0">
+                <a:solidFill>
+                  <a:srgbClr val="002060"/>
+                </a:solidFill>
+              </a:rPr>
+              <a:t>COMBINE NEAREST NEIGHBORS</a:t>
+            </a:r>
+            <a:endParaRPr lang="en-US" u="none" dirty="0">
+              <a:solidFill>
+                <a:srgbClr val="002060"/>
+              </a:solidFill>
+            </a:endParaRPr>
+          </a:p>
+        </p:txBody>
+      </p:sp>
+      <p:sp>
+        <p:nvSpPr>
+          <p:cNvPr id="3" name="TextBox 2"/>
+          <p:cNvSpPr txBox="1"/>
+          <p:nvPr/>
+        </p:nvSpPr>
+        <p:spPr>
+          <a:xfrm>
+            <a:off x="19870527" y="17066783"/>
+            <a:ext cx="7936088" cy="3370153"/>
+          </a:xfrm>
+          <a:prstGeom prst="rect">
+            <a:avLst/>
+          </a:prstGeom>
+          <a:noFill/>
+        </p:spPr>
+        <p:txBody>
+          <a:bodyPr wrap="square" rtlCol="0">
+            <a:spAutoFit/>
+          </a:bodyPr>
+          <a:lstStyle/>
+          <a:p>
+            <a:r>
+              <a:rPr lang="en-US" sz="2000" dirty="0"/>
+              <a:t>We performed a </a:t>
+            </a:r>
+            <a:r>
+              <a:rPr lang="en-US" sz="2000" b="1" dirty="0"/>
+              <a:t>k nearest neighbors</a:t>
+            </a:r>
+            <a:r>
+              <a:rPr lang="en-US" sz="2000" dirty="0"/>
+              <a:t> algorithm using the combine and AV data that we collected in order to determine the projected seasonal AV of all </a:t>
+            </a:r>
+            <a:r>
+              <a:rPr lang="en-US" sz="2000" b="1" dirty="0"/>
+              <a:t>players selected in the first round of the 2017 NFL draft</a:t>
+            </a:r>
+            <a:r>
+              <a:rPr lang="en-US" sz="2000" dirty="0"/>
+              <a:t>. We based this analysis purely on </a:t>
+            </a:r>
+            <a:r>
+              <a:rPr lang="en-US" sz="2000" b="1" dirty="0"/>
+              <a:t>combine metrics</a:t>
+            </a:r>
+            <a:r>
+              <a:rPr lang="en-US" sz="2000" dirty="0"/>
+              <a:t>, choosing to ignore other </a:t>
+            </a:r>
+            <a:r>
+              <a:rPr lang="en-US" sz="2000" dirty="0" err="1"/>
+              <a:t>measurables</a:t>
+            </a:r>
+            <a:r>
+              <a:rPr lang="en-US" sz="2000" dirty="0"/>
+              <a:t> such as college statistics, personality, and injury history that NFL teams often utilize to evaluate draft prospects. The results below were obtained using a k value of 3 and by limiting </a:t>
+            </a:r>
+            <a:r>
+              <a:rPr lang="en-US" sz="2000" dirty="0" err="1" smtClean="0"/>
+              <a:t>comparisoxn</a:t>
+            </a:r>
+            <a:r>
+              <a:rPr lang="en-US" sz="2000" dirty="0" smtClean="0"/>
+              <a:t> </a:t>
+            </a:r>
+            <a:r>
+              <a:rPr lang="en-US" sz="2000" dirty="0"/>
+              <a:t>to neighbors with the same position.</a:t>
+            </a:r>
+            <a:endParaRPr lang="en-US" sz="2000" dirty="0"/>
+          </a:p>
+          <a:p>
+            <a:r>
+              <a:rPr lang="en-US" sz="2800" dirty="0"/>
+              <a:t/>
+            </a:r>
+            <a:br>
+              <a:rPr lang="en-US" sz="2800" dirty="0"/>
+            </a:br>
+            <a:endParaRPr lang="en-US" sz="2500" dirty="0">
+              <a:latin typeface="Times New Roman" panose="02020603050405020304" pitchFamily="18" charset="0"/>
+              <a:cs typeface="Times New Roman" panose="02020603050405020304" pitchFamily="18" charset="0"/>
+            </a:endParaRPr>
+          </a:p>
+        </p:txBody>
+      </p:sp>
+      <p:sp>
+        <p:nvSpPr>
+          <p:cNvPr id="61" name="TextBox 60"/>
+          <p:cNvSpPr txBox="1"/>
+          <p:nvPr/>
+        </p:nvSpPr>
+        <p:spPr>
+          <a:xfrm>
+            <a:off x="19886066" y="6028596"/>
+            <a:ext cx="7936088" cy="3677930"/>
+          </a:xfrm>
+          <a:prstGeom prst="rect">
+            <a:avLst/>
+          </a:prstGeom>
+          <a:noFill/>
+        </p:spPr>
+        <p:txBody>
+          <a:bodyPr wrap="square" rtlCol="0">
+            <a:spAutoFit/>
+          </a:bodyPr>
+          <a:lstStyle/>
+          <a:p>
+            <a:r>
+              <a:rPr lang="en-US" sz="2000" dirty="0" smtClean="0"/>
+              <a:t>Our analysis of the draft dates from </a:t>
+            </a:r>
+            <a:r>
+              <a:rPr lang="en-US" sz="2000" b="1" dirty="0" smtClean="0"/>
+              <a:t>1980</a:t>
+            </a:r>
+            <a:r>
+              <a:rPr lang="en-US" sz="2000" dirty="0" smtClean="0"/>
+              <a:t>, and groups all players in a given position and drafted in the same round together (with the exception of Round 8 and undrafted players). The results show clearly: </a:t>
+            </a:r>
+          </a:p>
+          <a:p>
+            <a:endParaRPr lang="en-US" sz="2000" dirty="0" smtClean="0"/>
+          </a:p>
+          <a:p>
+            <a:pPr marL="342900" indent="-342900">
+              <a:buFont typeface="Arial" charset="0"/>
+              <a:buChar char="•"/>
+            </a:pPr>
+            <a:r>
+              <a:rPr lang="en-US" sz="2000" dirty="0"/>
+              <a:t>A</a:t>
+            </a:r>
+            <a:r>
+              <a:rPr lang="en-US" sz="2000" dirty="0" smtClean="0"/>
+              <a:t> </a:t>
+            </a:r>
+            <a:r>
+              <a:rPr lang="en-US" sz="2000" b="1" dirty="0" smtClean="0"/>
+              <a:t>decreasing</a:t>
+            </a:r>
+            <a:r>
+              <a:rPr lang="en-US" sz="2000" dirty="0" smtClean="0"/>
+              <a:t> total average AV value as the draft rounds increase</a:t>
+            </a:r>
+          </a:p>
+          <a:p>
+            <a:pPr marL="342900" indent="-342900">
+              <a:buFont typeface="Arial" charset="0"/>
+              <a:buChar char="•"/>
+            </a:pPr>
+            <a:r>
+              <a:rPr lang="en-US" sz="2000" dirty="0"/>
+              <a:t>A</a:t>
+            </a:r>
+            <a:r>
+              <a:rPr lang="en-US" sz="2000" dirty="0" smtClean="0"/>
+              <a:t> </a:t>
+            </a:r>
+            <a:r>
+              <a:rPr lang="en-US" sz="2000" b="1" dirty="0" smtClean="0"/>
+              <a:t>higher</a:t>
+            </a:r>
+            <a:r>
+              <a:rPr lang="en-US" sz="2000" dirty="0" smtClean="0"/>
+              <a:t> contribution to AV from certain positions such as quarterbacks (QB)</a:t>
+            </a:r>
+          </a:p>
+          <a:p>
+            <a:pPr marL="342900" indent="-342900">
+              <a:buFont typeface="Arial" charset="0"/>
+              <a:buChar char="•"/>
+            </a:pPr>
+            <a:r>
+              <a:rPr lang="en-US" sz="2000" dirty="0" smtClean="0"/>
+              <a:t>A relatively </a:t>
+            </a:r>
+            <a:r>
+              <a:rPr lang="en-US" sz="2000" b="1" dirty="0" smtClean="0"/>
+              <a:t>steady</a:t>
+            </a:r>
+            <a:r>
+              <a:rPr lang="en-US" sz="2000" dirty="0" smtClean="0"/>
+              <a:t> average AV value for kickers (K) indicating that teams may wish to draft these positions in later rounds.</a:t>
+            </a:r>
+            <a:endParaRPr lang="en-US" sz="2000" dirty="0"/>
+          </a:p>
+          <a:p>
+            <a:r>
+              <a:rPr lang="en-US" sz="2800" dirty="0"/>
+              <a:t/>
+            </a:r>
+            <a:br>
+              <a:rPr lang="en-US" sz="2800" dirty="0"/>
+            </a:br>
+            <a:endParaRPr lang="en-US" sz="2500" dirty="0">
+              <a:latin typeface="Times New Roman" panose="02020603050405020304" pitchFamily="18" charset="0"/>
+              <a:cs typeface="Times New Roman" panose="02020603050405020304" pitchFamily="18" charset="0"/>
+            </a:endParaRPr>
+          </a:p>
+        </p:txBody>
+      </p:sp>
+      <p:sp>
+        <p:nvSpPr>
+          <p:cNvPr id="8" name="TextBox 7"/>
+          <p:cNvSpPr txBox="1"/>
+          <p:nvPr/>
+        </p:nvSpPr>
+        <p:spPr>
+          <a:xfrm>
+            <a:off x="1429928" y="20812368"/>
+            <a:ext cx="7783878" cy="5324535"/>
+          </a:xfrm>
+          <a:prstGeom prst="rect">
+            <a:avLst/>
+          </a:prstGeom>
+          <a:noFill/>
+        </p:spPr>
+        <p:txBody>
+          <a:bodyPr wrap="square" rtlCol="0">
+            <a:spAutoFit/>
+          </a:bodyPr>
+          <a:lstStyle/>
+          <a:p>
+            <a:r>
+              <a:rPr lang="en-US" sz="2000" dirty="0" smtClean="0"/>
+              <a:t>- We </a:t>
+            </a:r>
+            <a:r>
+              <a:rPr lang="en-US" sz="2000" b="1" dirty="0"/>
+              <a:t>collected </a:t>
+            </a:r>
+            <a:r>
+              <a:rPr lang="en-US" sz="2000" dirty="0"/>
+              <a:t>AV data from 1978 to 2016 from </a:t>
+            </a:r>
+            <a:r>
+              <a:rPr lang="en-US" sz="2000" i="1" dirty="0"/>
+              <a:t>Pro Football Reference,</a:t>
+            </a:r>
+            <a:r>
+              <a:rPr lang="en-US" sz="2000" dirty="0"/>
+              <a:t> roster data from 1978 to 2016 from </a:t>
+            </a:r>
+            <a:r>
+              <a:rPr lang="en-US" sz="2000" i="1" dirty="0"/>
+              <a:t>Pro Football Reference</a:t>
+            </a:r>
+            <a:r>
+              <a:rPr lang="en-US" sz="2000" dirty="0"/>
+              <a:t> and</a:t>
+            </a:r>
+            <a:r>
+              <a:rPr lang="en-US" sz="2000" i="1" dirty="0"/>
+              <a:t> The Football Database</a:t>
+            </a:r>
+            <a:r>
+              <a:rPr lang="en-US" sz="2000" dirty="0"/>
+              <a:t>, combine data from 1999 to 2017 from</a:t>
+            </a:r>
+            <a:r>
+              <a:rPr lang="en-US" sz="2000" i="1" dirty="0"/>
+              <a:t> Pro Football Reference</a:t>
+            </a:r>
+            <a:r>
+              <a:rPr lang="en-US" sz="2000" dirty="0"/>
+              <a:t> and </a:t>
+            </a:r>
+            <a:r>
+              <a:rPr lang="en-US" sz="2000" i="1" dirty="0"/>
+              <a:t>NFL Combine Results</a:t>
+            </a:r>
+            <a:r>
+              <a:rPr lang="en-US" sz="2000" dirty="0"/>
+              <a:t>, standings data from 1978 to 2016 from </a:t>
+            </a:r>
+            <a:r>
+              <a:rPr lang="en-US" sz="2000" i="1" dirty="0"/>
+              <a:t>Pro Football Reference</a:t>
+            </a:r>
+            <a:r>
+              <a:rPr lang="en-US" sz="2000" dirty="0"/>
+              <a:t>, and salary data from 1994 to 2021 from </a:t>
+            </a:r>
+            <a:r>
+              <a:rPr lang="en-US" sz="2000" i="1" dirty="0" err="1"/>
+              <a:t>Spotrac</a:t>
+            </a:r>
+            <a:r>
+              <a:rPr lang="en-US" sz="2000" dirty="0"/>
+              <a:t>.</a:t>
+            </a:r>
+          </a:p>
+          <a:p>
+            <a:r>
+              <a:rPr lang="en-US" sz="2000" dirty="0" smtClean="0"/>
+              <a:t>his </a:t>
+            </a:r>
+            <a:r>
+              <a:rPr lang="en-US" sz="2000" dirty="0"/>
+              <a:t>data using Python’s </a:t>
+            </a:r>
+            <a:r>
+              <a:rPr lang="en-US" sz="2000" dirty="0" err="1"/>
+              <a:t>BeautifulSoup</a:t>
+            </a:r>
+            <a:r>
+              <a:rPr lang="en-US" sz="2000" dirty="0"/>
+              <a:t> package.</a:t>
+            </a:r>
+          </a:p>
+          <a:p>
+            <a:r>
+              <a:rPr lang="en-US" sz="2000" dirty="0"/>
+              <a:t>- We </a:t>
+            </a:r>
+            <a:r>
+              <a:rPr lang="en-US" sz="2000" b="1" dirty="0"/>
+              <a:t>stored</a:t>
+            </a:r>
+            <a:r>
+              <a:rPr lang="en-US" sz="2000" dirty="0"/>
+              <a:t> this data in CSV files.</a:t>
+            </a:r>
+          </a:p>
+          <a:p>
+            <a:r>
+              <a:rPr lang="en-US" sz="2000" dirty="0"/>
+              <a:t>- We </a:t>
+            </a:r>
+            <a:r>
+              <a:rPr lang="en-US" sz="2000" b="1" dirty="0"/>
+              <a:t>cleaned </a:t>
+            </a:r>
+            <a:r>
+              <a:rPr lang="en-US" sz="2000" dirty="0"/>
+              <a:t>the data in the CSV files and </a:t>
+            </a:r>
+            <a:r>
+              <a:rPr lang="en-US" sz="2000" b="1" dirty="0"/>
+              <a:t>merged </a:t>
+            </a:r>
+            <a:r>
+              <a:rPr lang="en-US" sz="2000" dirty="0"/>
+              <a:t>similar data. </a:t>
+            </a:r>
+          </a:p>
+          <a:p>
+            <a:r>
+              <a:rPr lang="en-US" sz="2000" b="1" dirty="0"/>
+              <a:t>- </a:t>
+            </a:r>
+            <a:r>
+              <a:rPr lang="en-US" sz="2000" dirty="0"/>
+              <a:t>We </a:t>
+            </a:r>
+            <a:r>
+              <a:rPr lang="en-US" sz="2000" b="1" dirty="0"/>
+              <a:t>loaded</a:t>
+            </a:r>
+            <a:r>
+              <a:rPr lang="en-US" sz="2000" dirty="0"/>
+              <a:t> the cleaned data into</a:t>
+            </a:r>
+            <a:r>
+              <a:rPr lang="en-US" sz="2000" b="1" dirty="0"/>
+              <a:t> SQL databases</a:t>
+            </a:r>
+            <a:r>
+              <a:rPr lang="en-US" sz="2000" dirty="0"/>
+              <a:t>. We decided that it would be best to store data used in separate parts of our project in different databases.</a:t>
+            </a:r>
+          </a:p>
+          <a:p>
+            <a:r>
+              <a:rPr lang="en-US" sz="2000" dirty="0"/>
+              <a:t>- We </a:t>
+            </a:r>
+            <a:r>
+              <a:rPr lang="en-US" sz="2000" b="1" dirty="0"/>
+              <a:t>created </a:t>
+            </a:r>
+            <a:r>
+              <a:rPr lang="en-US" sz="2000" dirty="0"/>
+              <a:t>custom-made CSV files with cleaned data using </a:t>
+            </a:r>
+            <a:r>
+              <a:rPr lang="en-US" sz="2000" b="1" dirty="0"/>
+              <a:t>SQL queries</a:t>
+            </a:r>
+            <a:r>
+              <a:rPr lang="en-US" sz="2000" dirty="0"/>
+              <a:t>.</a:t>
+            </a:r>
+          </a:p>
+          <a:p>
+            <a:r>
+              <a:rPr lang="en-US" sz="2000" dirty="0"/>
+              <a:t/>
+            </a:r>
+            <a:br>
+              <a:rPr lang="en-US" sz="2000" dirty="0"/>
+            </a:br>
+            <a:endParaRPr lang="en-US" sz="2000" dirty="0">
+              <a:latin typeface="Times New Roman" panose="02020603050405020304" pitchFamily="18" charset="0"/>
+              <a:cs typeface="Times New Roman" panose="02020603050405020304" pitchFamily="18" charset="0"/>
+            </a:endParaRPr>
+          </a:p>
+          <a:p>
+            <a:endParaRPr lang="en-US" sz="2000" dirty="0">
+              <a:latin typeface="Times New Roman" panose="02020603050405020304" pitchFamily="18" charset="0"/>
+              <a:cs typeface="Times New Roman" panose="02020603050405020304" pitchFamily="18" charset="0"/>
             </a:endParaRPr>
           </a:p>
         </p:txBody>

--- a/poster.pptx
+++ b/poster.pptx
@@ -741,7 +741,7 @@
           </a:bodyPr>
           <a:lstStyle/>
           <a:p>
-            <a:endParaRPr lang="en-US"/>
+            <a:endParaRPr lang="en-US" dirty="0"/>
           </a:p>
         </p:txBody>
       </p:sp>
@@ -5469,7 +5469,7 @@
               <a:graphicData uri="http://schemas.openxmlformats.org/presentationml/2006/ole">
                 <mc:AlternateContent xmlns:mc="http://schemas.openxmlformats.org/markup-compatibility/2006">
                   <mc:Choice xmlns:v="urn:schemas-microsoft-com:vml" Requires="v">
-                    <p:oleObj spid="_x0000_s1169" name="Image" r:id="rId8" imgW="1828440" imgH="1117440" progId="Photoshop.Image.13">
+                    <p:oleObj spid="_x0000_s1294" name="Image" r:id="rId8" imgW="1828440" imgH="1117440" progId="Photoshop.Image.13">
                       <p:embed/>
                     </p:oleObj>
                   </mc:Choice>
@@ -5526,7 +5526,7 @@
               <a:graphicData uri="http://schemas.openxmlformats.org/presentationml/2006/ole">
                 <mc:AlternateContent xmlns:mc="http://schemas.openxmlformats.org/markup-compatibility/2006">
                   <mc:Choice xmlns:v="urn:schemas-microsoft-com:vml" Requires="v">
-                    <p:oleObj spid="_x0000_s1170" name="Image" r:id="rId10" imgW="1828440" imgH="1117440" progId="Photoshop.Image.13">
+                    <p:oleObj spid="_x0000_s1295" name="Image" r:id="rId10" imgW="1828440" imgH="1117440" progId="Photoshop.Image.13">
                       <p:embed/>
                     </p:oleObj>
                   </mc:Choice>
@@ -6654,7 +6654,7 @@
             <a:graphicData uri="http://schemas.openxmlformats.org/presentationml/2006/ole">
               <mc:AlternateContent xmlns:mc="http://schemas.openxmlformats.org/markup-compatibility/2006">
                 <mc:Choice xmlns:v="urn:schemas-microsoft-com:vml" Requires="v">
-                  <p:oleObj spid="_x0000_s1171" name="Image" r:id="rId12" imgW="4571280" imgH="1688760" progId="Photoshop.Image.13">
+                  <p:oleObj spid="_x0000_s1296" name="Image" r:id="rId12" imgW="4571280" imgH="1688760" progId="Photoshop.Image.13">
                     <p:embed/>
                   </p:oleObj>
                 </mc:Choice>
@@ -6738,7 +6738,7 @@
             <a:graphicData uri="http://schemas.openxmlformats.org/presentationml/2006/ole">
               <mc:AlternateContent xmlns:mc="http://schemas.openxmlformats.org/markup-compatibility/2006">
                 <mc:Choice xmlns:v="urn:schemas-microsoft-com:vml" Requires="v">
-                  <p:oleObj spid="_x0000_s1172" name="Image" r:id="rId15" imgW="1574280" imgH="1053720" progId="Photoshop.Image.13">
+                  <p:oleObj spid="_x0000_s1297" name="Image" r:id="rId15" imgW="1574280" imgH="1053720" progId="Photoshop.Image.13">
                     <p:embed/>
                   </p:oleObj>
                 </mc:Choice>
@@ -8695,7 +8695,7 @@
             <a:graphicData uri="http://schemas.openxmlformats.org/presentationml/2006/ole">
               <mc:AlternateContent xmlns:mc="http://schemas.openxmlformats.org/markup-compatibility/2006">
                 <mc:Choice xmlns:v="urn:schemas-microsoft-com:vml" Requires="v">
-                  <p:oleObj spid="_x0000_s2193" name="Image" r:id="rId4" imgW="4571280" imgH="1688760" progId="Photoshop.Image.13">
+                  <p:oleObj spid="_x0000_s2318" name="Image" r:id="rId4" imgW="4571280" imgH="1688760" progId="Photoshop.Image.13">
                     <p:embed/>
                   </p:oleObj>
                 </mc:Choice>
@@ -8779,7 +8779,7 @@
             <a:graphicData uri="http://schemas.openxmlformats.org/presentationml/2006/ole">
               <mc:AlternateContent xmlns:mc="http://schemas.openxmlformats.org/markup-compatibility/2006">
                 <mc:Choice xmlns:v="urn:schemas-microsoft-com:vml" Requires="v">
-                  <p:oleObj spid="_x0000_s2194" name="Image" r:id="rId7" imgW="1574280" imgH="1053720" progId="Photoshop.Image.13">
+                  <p:oleObj spid="_x0000_s2319" name="Image" r:id="rId7" imgW="1574280" imgH="1053720" progId="Photoshop.Image.13">
                     <p:embed/>
                   </p:oleObj>
                 </mc:Choice>
@@ -10175,7 +10175,7 @@
               <a:graphicData uri="http://schemas.openxmlformats.org/presentationml/2006/ole">
                 <mc:AlternateContent xmlns:mc="http://schemas.openxmlformats.org/markup-compatibility/2006">
                   <mc:Choice xmlns:v="urn:schemas-microsoft-com:vml" Requires="v">
-                    <p:oleObj spid="_x0000_s2195" name="Image" r:id="rId15" imgW="1828440" imgH="1117440" progId="Photoshop.Image.13">
+                    <p:oleObj spid="_x0000_s2320" name="Image" r:id="rId15" imgW="1828440" imgH="1117440" progId="Photoshop.Image.13">
                       <p:embed/>
                     </p:oleObj>
                   </mc:Choice>
@@ -10232,7 +10232,7 @@
               <a:graphicData uri="http://schemas.openxmlformats.org/presentationml/2006/ole">
                 <mc:AlternateContent xmlns:mc="http://schemas.openxmlformats.org/markup-compatibility/2006">
                   <mc:Choice xmlns:v="urn:schemas-microsoft-com:vml" Requires="v">
-                    <p:oleObj spid="_x0000_s2196" name="Image" r:id="rId17" imgW="1828440" imgH="1117440" progId="Photoshop.Image.13">
+                    <p:oleObj spid="_x0000_s2321" name="Image" r:id="rId17" imgW="1828440" imgH="1117440" progId="Photoshop.Image.13">
                       <p:embed/>
                     </p:oleObj>
                   </mc:Choice>
@@ -12144,7 +12144,7 @@
             <a:graphicData uri="http://schemas.openxmlformats.org/presentationml/2006/ole">
               <mc:AlternateContent xmlns:mc="http://schemas.openxmlformats.org/markup-compatibility/2006">
                 <mc:Choice xmlns:v="urn:schemas-microsoft-com:vml" Requires="v">
-                  <p:oleObj spid="_x0000_s3217" name="Image" r:id="rId4" imgW="4571280" imgH="1688760" progId="Photoshop.Image.13">
+                  <p:oleObj spid="_x0000_s3342" name="Image" r:id="rId4" imgW="4571280" imgH="1688760" progId="Photoshop.Image.13">
                     <p:embed/>
                   </p:oleObj>
                 </mc:Choice>
@@ -12228,7 +12228,7 @@
             <a:graphicData uri="http://schemas.openxmlformats.org/presentationml/2006/ole">
               <mc:AlternateContent xmlns:mc="http://schemas.openxmlformats.org/markup-compatibility/2006">
                 <mc:Choice xmlns:v="urn:schemas-microsoft-com:vml" Requires="v">
-                  <p:oleObj spid="_x0000_s3218" name="Image" r:id="rId7" imgW="1574280" imgH="1053720" progId="Photoshop.Image.13">
+                  <p:oleObj spid="_x0000_s3343" name="Image" r:id="rId7" imgW="1574280" imgH="1053720" progId="Photoshop.Image.13">
                     <p:embed/>
                   </p:oleObj>
                 </mc:Choice>
@@ -13624,7 +13624,7 @@
               <a:graphicData uri="http://schemas.openxmlformats.org/presentationml/2006/ole">
                 <mc:AlternateContent xmlns:mc="http://schemas.openxmlformats.org/markup-compatibility/2006">
                   <mc:Choice xmlns:v="urn:schemas-microsoft-com:vml" Requires="v">
-                    <p:oleObj spid="_x0000_s3219" name="Image" r:id="rId15" imgW="1828440" imgH="1117440" progId="Photoshop.Image.13">
+                    <p:oleObj spid="_x0000_s3344" name="Image" r:id="rId15" imgW="1828440" imgH="1117440" progId="Photoshop.Image.13">
                       <p:embed/>
                     </p:oleObj>
                   </mc:Choice>
@@ -13681,7 +13681,7 @@
               <a:graphicData uri="http://schemas.openxmlformats.org/presentationml/2006/ole">
                 <mc:AlternateContent xmlns:mc="http://schemas.openxmlformats.org/markup-compatibility/2006">
                   <mc:Choice xmlns:v="urn:schemas-microsoft-com:vml" Requires="v">
-                    <p:oleObj spid="_x0000_s3220" name="Image" r:id="rId17" imgW="1828440" imgH="1117440" progId="Photoshop.Image.13">
+                    <p:oleObj spid="_x0000_s3345" name="Image" r:id="rId17" imgW="1828440" imgH="1117440" progId="Photoshop.Image.13">
                       <p:embed/>
                     </p:oleObj>
                   </mc:Choice>
@@ -14512,14 +14512,14 @@
       </p:grpSpPr>
       <p:sp>
         <p:nvSpPr>
-          <p:cNvPr id="63" name="TextBox 62"/>
+          <p:cNvPr id="66" name="TextBox 65"/>
           <p:cNvSpPr txBox="1"/>
           <p:nvPr/>
         </p:nvSpPr>
         <p:spPr>
           <a:xfrm>
-            <a:off x="1002312" y="4843582"/>
-            <a:ext cx="8592195" cy="22725577"/>
+            <a:off x="10186601" y="4876285"/>
+            <a:ext cx="8792765" cy="22725577"/>
           </a:xfrm>
           <a:prstGeom prst="rect">
             <a:avLst/>
@@ -14554,14 +14554,14 @@
       </p:sp>
       <p:sp>
         <p:nvSpPr>
-          <p:cNvPr id="62" name="TextBox 61"/>
+          <p:cNvPr id="63" name="TextBox 62"/>
           <p:cNvSpPr txBox="1"/>
           <p:nvPr/>
         </p:nvSpPr>
         <p:spPr>
           <a:xfrm>
-            <a:off x="10228480" y="4788931"/>
-            <a:ext cx="8792765" cy="22725577"/>
+            <a:off x="1032792" y="4867554"/>
+            <a:ext cx="8592195" cy="22725577"/>
           </a:xfrm>
           <a:prstGeom prst="rect">
             <a:avLst/>
@@ -14602,7 +14602,7 @@
         </p:nvSpPr>
         <p:spPr>
           <a:xfrm>
-            <a:off x="19457728" y="4843583"/>
+            <a:off x="19488208" y="4843583"/>
             <a:ext cx="8792765" cy="22725577"/>
           </a:xfrm>
           <a:prstGeom prst="rect">
@@ -14638,29 +14638,6 @@
       </p:sp>
       <p:sp>
         <p:nvSpPr>
-          <p:cNvPr id="19" name="Text Placeholder 18"/>
-          <p:cNvSpPr>
-            <a:spLocks noGrp="1"/>
-          </p:cNvSpPr>
-          <p:nvPr>
-            <p:ph type="body" sz="quarter" idx="10"/>
-          </p:nvPr>
-        </p:nvSpPr>
-        <p:spPr/>
-        <p:txBody>
-          <a:bodyPr/>
-          <a:lstStyle/>
-          <a:p>
-            <a:endParaRPr lang="en-US">
-              <a:solidFill>
-                <a:srgbClr val="002060"/>
-              </a:solidFill>
-            </a:endParaRPr>
-          </a:p>
-        </p:txBody>
-      </p:sp>
-      <p:sp>
-        <p:nvSpPr>
           <p:cNvPr id="20" name="Text Placeholder 19"/>
           <p:cNvSpPr>
             <a:spLocks noGrp="1"/>
@@ -14669,7 +14646,12 @@
             <p:ph type="body" sz="quarter" idx="11"/>
           </p:nvPr>
         </p:nvSpPr>
-        <p:spPr/>
+        <p:spPr>
+          <a:xfrm>
+            <a:off x="837529" y="4843583"/>
+            <a:ext cx="8792766" cy="682936"/>
+          </a:xfrm>
+        </p:spPr>
         <p:txBody>
           <a:bodyPr/>
           <a:lstStyle/>
@@ -14700,41 +14682,10 @@
             <p:ph type="body" sz="quarter" idx="20"/>
           </p:nvPr>
         </p:nvSpPr>
-        <p:spPr/>
-        <p:txBody>
-          <a:bodyPr/>
-          <a:lstStyle/>
-          <a:p>
-            <a:r>
-              <a:rPr lang="en-US" u="none" dirty="0" smtClean="0">
-                <a:solidFill>
-                  <a:srgbClr val="002060"/>
-                </a:solidFill>
-              </a:rPr>
-              <a:t>DATA COLLECTION</a:t>
-            </a:r>
-            <a:endParaRPr lang="en-US" u="none" dirty="0">
-              <a:solidFill>
-                <a:srgbClr val="002060"/>
-              </a:solidFill>
-            </a:endParaRPr>
-          </a:p>
-        </p:txBody>
-      </p:sp>
-      <p:sp>
-        <p:nvSpPr>
-          <p:cNvPr id="23" name="Text Placeholder 22"/>
-          <p:cNvSpPr>
-            <a:spLocks noGrp="1"/>
-          </p:cNvSpPr>
-          <p:nvPr>
-            <p:ph type="body" sz="quarter" idx="22"/>
-          </p:nvPr>
-        </p:nvSpPr>
         <p:spPr>
           <a:xfrm>
-            <a:off x="10538442" y="4843583"/>
-            <a:ext cx="7993423" cy="682936"/>
+            <a:off x="837527" y="11378328"/>
+            <a:ext cx="8794154" cy="682936"/>
           </a:xfrm>
         </p:spPr>
         <p:txBody>
@@ -14747,7 +14698,7 @@
                   <a:srgbClr val="002060"/>
                 </a:solidFill>
               </a:rPr>
-              <a:t>CHALLENGES</a:t>
+              <a:t>DATA COLLECTION</a:t>
             </a:r>
             <a:endParaRPr lang="en-US" u="none" dirty="0">
               <a:solidFill>
@@ -14767,7 +14718,12 @@
             <p:ph type="body" sz="quarter" idx="24"/>
           </p:nvPr>
         </p:nvSpPr>
-        <p:spPr/>
+        <p:spPr>
+          <a:xfrm>
+            <a:off x="19499580" y="4843583"/>
+            <a:ext cx="8801100" cy="682936"/>
+          </a:xfrm>
+        </p:spPr>
         <p:txBody>
           <a:bodyPr/>
           <a:lstStyle/>
@@ -14798,7 +14754,12 @@
             <p:ph type="body" sz="quarter" idx="26"/>
           </p:nvPr>
         </p:nvSpPr>
-        <p:spPr/>
+        <p:spPr>
+          <a:xfrm>
+            <a:off x="28830254" y="5581171"/>
+            <a:ext cx="8791141" cy="798338"/>
+          </a:xfrm>
+        </p:spPr>
         <p:txBody>
           <a:bodyPr/>
           <a:lstStyle/>
@@ -14821,7 +14782,12 @@
             <p:ph type="body" sz="quarter" idx="150"/>
           </p:nvPr>
         </p:nvSpPr>
-        <p:spPr/>
+        <p:spPr>
+          <a:xfrm>
+            <a:off x="5221499" y="2960954"/>
+            <a:ext cx="27999097" cy="1120140"/>
+          </a:xfrm>
+        </p:spPr>
         <p:txBody>
           <a:bodyPr/>
           <a:lstStyle/>
@@ -14865,39 +14831,6 @@
                 </a:solidFill>
               </a:rPr>
               <a:t>, Kevin Li, Steven Liao</a:t>
-            </a:r>
-            <a:endParaRPr lang="en-US" dirty="0">
-              <a:solidFill>
-                <a:srgbClr val="002060"/>
-              </a:solidFill>
-            </a:endParaRPr>
-          </a:p>
-        </p:txBody>
-      </p:sp>
-      <p:sp>
-        <p:nvSpPr>
-          <p:cNvPr id="34" name="Text Placeholder 33"/>
-          <p:cNvSpPr>
-            <a:spLocks noGrp="1"/>
-          </p:cNvSpPr>
-          <p:nvPr>
-            <p:ph type="body" sz="quarter" idx="151"/>
-          </p:nvPr>
-        </p:nvSpPr>
-        <p:spPr/>
-        <p:txBody>
-          <a:bodyPr>
-            <a:normAutofit fontScale="92500" lnSpcReduction="10000"/>
-          </a:bodyPr>
-          <a:lstStyle/>
-          <a:p>
-            <a:r>
-              <a:rPr lang="en-US" dirty="0" smtClean="0">
-                <a:solidFill>
-                  <a:srgbClr val="002060"/>
-                </a:solidFill>
-              </a:rPr>
-              <a:t>CSCI 1951A</a:t>
             </a:r>
             <a:endParaRPr lang="en-US" dirty="0">
               <a:solidFill>
@@ -14917,22 +14850,27 @@
             <p:ph type="body" sz="quarter" idx="153"/>
           </p:nvPr>
         </p:nvSpPr>
-        <p:spPr/>
+        <p:spPr>
+          <a:xfrm>
+            <a:off x="6951997" y="660486"/>
+            <a:ext cx="27999097" cy="1433226"/>
+          </a:xfrm>
+        </p:spPr>
         <p:txBody>
           <a:bodyPr>
-            <a:normAutofit fontScale="92500" lnSpcReduction="10000"/>
+            <a:noAutofit/>
           </a:bodyPr>
           <a:lstStyle/>
           <a:p>
             <a:r>
-              <a:rPr lang="en-US" dirty="0" smtClean="0">
+              <a:rPr lang="en-US" sz="15000" dirty="0" smtClean="0">
                 <a:solidFill>
                   <a:srgbClr val="002060"/>
                 </a:solidFill>
               </a:rPr>
               <a:t>Analysis of NFL Player Valuation</a:t>
             </a:r>
-            <a:endParaRPr lang="en-US" dirty="0">
+            <a:endParaRPr lang="en-US" sz="15000" dirty="0">
               <a:solidFill>
                 <a:srgbClr val="002060"/>
               </a:solidFill>
@@ -14948,7 +14886,7 @@
         </p:nvSpPr>
         <p:spPr>
           <a:xfrm>
-            <a:off x="807047" y="13898070"/>
+            <a:off x="837527" y="13898070"/>
             <a:ext cx="8783829" cy="765722"/>
           </a:xfrm>
           <a:prstGeom prst="rect">
@@ -14985,7 +14923,7 @@
       </p:sp>
       <p:pic>
         <p:nvPicPr>
-          <p:cNvPr id="4" name="Picture 3"/>
+          <p:cNvPr id="5" name="Picture 4"/>
           <p:cNvPicPr>
             <a:picLocks noChangeAspect="1"/>
           </p:cNvPicPr>
@@ -15005,98 +14943,8 @@
         </p:blipFill>
         <p:spPr>
           <a:xfrm>
-            <a:off x="10676393" y="12244062"/>
-            <a:ext cx="7601712" cy="4303776"/>
-          </a:xfrm>
-          <a:prstGeom prst="rect">
-            <a:avLst/>
-          </a:prstGeom>
-        </p:spPr>
-      </p:pic>
-      <p:pic>
-        <p:nvPicPr>
-          <p:cNvPr id="5" name="Picture 4"/>
-          <p:cNvPicPr>
-            <a:picLocks noChangeAspect="1"/>
-          </p:cNvPicPr>
-          <p:nvPr/>
-        </p:nvPicPr>
-        <p:blipFill>
-          <a:blip r:embed="rId4">
-            <a:extLst>
-              <a:ext uri="{28A0092B-C50C-407E-A947-70E740481C1C}">
-                <a14:useLocalDpi xmlns:a14="http://schemas.microsoft.com/office/drawing/2010/main" val="0"/>
-              </a:ext>
-            </a:extLst>
-          </a:blip>
-          <a:stretch>
-            <a:fillRect/>
-          </a:stretch>
-        </p:blipFill>
-        <p:spPr>
-          <a:xfrm>
-            <a:off x="20818562" y="9466728"/>
-            <a:ext cx="6071096" cy="5915298"/>
-          </a:xfrm>
-          <a:prstGeom prst="rect">
-            <a:avLst/>
-          </a:prstGeom>
-        </p:spPr>
-      </p:pic>
-      <p:pic>
-        <p:nvPicPr>
-          <p:cNvPr id="6" name="Picture 5"/>
-          <p:cNvPicPr>
-            <a:picLocks noChangeAspect="1"/>
-          </p:cNvPicPr>
-          <p:nvPr/>
-        </p:nvPicPr>
-        <p:blipFill>
-          <a:blip r:embed="rId5">
-            <a:extLst>
-              <a:ext uri="{28A0092B-C50C-407E-A947-70E740481C1C}">
-                <a14:useLocalDpi xmlns:a14="http://schemas.microsoft.com/office/drawing/2010/main" val="0"/>
-              </a:ext>
-            </a:extLst>
-          </a:blip>
-          <a:stretch>
-            <a:fillRect/>
-          </a:stretch>
-        </p:blipFill>
-        <p:spPr>
-          <a:xfrm>
-            <a:off x="32292156" y="116532"/>
-            <a:ext cx="3595184" cy="3448561"/>
-          </a:xfrm>
-          <a:prstGeom prst="rect">
-            <a:avLst/>
-          </a:prstGeom>
-        </p:spPr>
-      </p:pic>
-      <p:pic>
-        <p:nvPicPr>
-          <p:cNvPr id="7" name="Picture 6"/>
-          <p:cNvPicPr>
-            <a:picLocks noChangeAspect="1"/>
-          </p:cNvPicPr>
-          <p:nvPr/>
-        </p:nvPicPr>
-        <p:blipFill>
-          <a:blip r:embed="rId6">
-            <a:extLst>
-              <a:ext uri="{28A0092B-C50C-407E-A947-70E740481C1C}">
-                <a14:useLocalDpi xmlns:a14="http://schemas.microsoft.com/office/drawing/2010/main" val="0"/>
-              </a:ext>
-            </a:extLst>
-          </a:blip>
-          <a:stretch>
-            <a:fillRect/>
-          </a:stretch>
-        </p:blipFill>
-        <p:spPr>
-          <a:xfrm>
-            <a:off x="2001867" y="153046"/>
-            <a:ext cx="3189152" cy="3189152"/>
+            <a:off x="19810027" y="10124650"/>
+            <a:ext cx="8089835" cy="7882231"/>
           </a:xfrm>
           <a:prstGeom prst="rect">
             <a:avLst/>
@@ -15111,7 +14959,7 @@
         </p:nvSpPr>
         <p:spPr>
           <a:xfrm>
-            <a:off x="28805413" y="4843583"/>
+            <a:off x="28835893" y="4843583"/>
             <a:ext cx="8456388" cy="22725577"/>
           </a:xfrm>
           <a:prstGeom prst="rect">
@@ -15155,7 +15003,12 @@
             <p:ph type="body" sz="quarter" idx="25"/>
           </p:nvPr>
         </p:nvSpPr>
-        <p:spPr/>
+        <p:spPr>
+          <a:xfrm>
+            <a:off x="28830254" y="4843583"/>
+            <a:ext cx="8791141" cy="682936"/>
+          </a:xfrm>
+        </p:spPr>
         <p:txBody>
           <a:bodyPr/>
           <a:lstStyle/>
@@ -15185,7 +15038,7 @@
           <p:nvPr/>
         </p:nvPicPr>
         <p:blipFill>
-          <a:blip r:embed="rId7">
+          <a:blip r:embed="rId4">
             <a:extLst>
               <a:ext uri="{28A0092B-C50C-407E-A947-70E740481C1C}">
                 <a14:useLocalDpi xmlns:a14="http://schemas.microsoft.com/office/drawing/2010/main" val="0"/>
@@ -15199,7 +15052,7 @@
         </p:blipFill>
         <p:spPr bwMode="auto">
           <a:xfrm>
-            <a:off x="1168231" y="13408222"/>
+            <a:off x="1304561" y="12328297"/>
             <a:ext cx="8045575" cy="6914298"/>
           </a:xfrm>
           <a:prstGeom prst="rect">
@@ -15229,7 +15082,7 @@
         </p:nvSpPr>
         <p:spPr>
           <a:xfrm>
-            <a:off x="10538442" y="11254640"/>
+            <a:off x="10468723" y="4924106"/>
             <a:ext cx="7993423" cy="682936"/>
           </a:xfrm>
         </p:spPr>
@@ -15265,7 +15118,7 @@
         </p:nvSpPr>
         <p:spPr>
           <a:xfrm>
-            <a:off x="19438021" y="15864902"/>
+            <a:off x="19468501" y="18192383"/>
             <a:ext cx="8801100" cy="682936"/>
           </a:xfrm>
         </p:spPr>
@@ -15279,7 +15132,7 @@
                   <a:srgbClr val="002060"/>
                 </a:solidFill>
               </a:rPr>
-              <a:t>COMBINE NEAREST NEIGHBORS</a:t>
+              <a:t>DRAFT COMBINE NEAREST NEIGHBORS </a:t>
             </a:r>
             <a:endParaRPr lang="en-US" u="none" dirty="0">
               <a:solidFill>
@@ -15297,8 +15150,8 @@
         </p:nvSpPr>
         <p:spPr>
           <a:xfrm>
-            <a:off x="19870527" y="17066783"/>
-            <a:ext cx="7936088" cy="3370153"/>
+            <a:off x="19901006" y="18936723"/>
+            <a:ext cx="7936088" cy="3477875"/>
           </a:xfrm>
           <a:prstGeom prst="rect">
             <a:avLst/>
@@ -15312,64 +15165,75 @@
           <a:lstStyle/>
           <a:p>
             <a:r>
-              <a:rPr lang="en-US" sz="2000" dirty="0"/>
+              <a:rPr lang="en-US" sz="2200" dirty="0"/>
               <a:t>We performed a </a:t>
             </a:r>
             <a:r>
-              <a:rPr lang="en-US" sz="2000" b="1" dirty="0"/>
+              <a:rPr lang="en-US" sz="2200" b="1" dirty="0"/>
               <a:t>k nearest neighbors</a:t>
             </a:r>
             <a:r>
-              <a:rPr lang="en-US" sz="2000" dirty="0"/>
-              <a:t> algorithm using the combine and AV data that we collected in order to determine the projected seasonal AV of all </a:t>
-            </a:r>
-            <a:r>
-              <a:rPr lang="en-US" sz="2000" b="1" dirty="0"/>
-              <a:t>players selected in the first round of the 2017 NFL draft</a:t>
-            </a:r>
-            <a:r>
-              <a:rPr lang="en-US" sz="2000" dirty="0"/>
-              <a:t>. We based this analysis purely on </a:t>
-            </a:r>
-            <a:r>
-              <a:rPr lang="en-US" sz="2000" b="1" dirty="0"/>
+              <a:rPr lang="en-US" sz="2200" dirty="0"/>
+              <a:t> </a:t>
+            </a:r>
+            <a:r>
+              <a:rPr lang="en-US" sz="2200" dirty="0" smtClean="0"/>
+              <a:t>search using </a:t>
+            </a:r>
+            <a:r>
+              <a:rPr lang="en-US" sz="2200" dirty="0"/>
+              <a:t>the combine and AV data that we collected in order to determine the projected seasonal AV of all players selected in the first round of the 2017 NFL draft. We based this analysis purely on </a:t>
+            </a:r>
+            <a:r>
+              <a:rPr lang="en-US" sz="2200" b="1" dirty="0"/>
               <a:t>combine metrics</a:t>
             </a:r>
             <a:r>
-              <a:rPr lang="en-US" sz="2000" dirty="0"/>
+              <a:rPr lang="en-US" sz="2200" dirty="0"/>
               <a:t>, choosing to ignore other </a:t>
             </a:r>
             <a:r>
-              <a:rPr lang="en-US" sz="2000" dirty="0" err="1"/>
+              <a:rPr lang="en-US" sz="2200" dirty="0" err="1"/>
               <a:t>measurables</a:t>
             </a:r>
             <a:r>
-              <a:rPr lang="en-US" sz="2000" dirty="0"/>
-              <a:t> such as college statistics, personality, and injury history that NFL teams often utilize to evaluate draft prospects. The results below were obtained using a k value of 3 and by limiting </a:t>
-            </a:r>
-            <a:r>
-              <a:rPr lang="en-US" sz="2000" dirty="0" err="1" smtClean="0"/>
-              <a:t>comparisoxn</a:t>
-            </a:r>
-            <a:r>
-              <a:rPr lang="en-US" sz="2000" dirty="0" smtClean="0"/>
-              <a:t> </a:t>
-            </a:r>
-            <a:r>
-              <a:rPr lang="en-US" sz="2000" dirty="0"/>
-              <a:t>to neighbors with the same position.</a:t>
-            </a:r>
-            <a:endParaRPr lang="en-US" sz="2000" dirty="0"/>
+              <a:rPr lang="en-US" sz="2200" dirty="0"/>
+              <a:t> such as college statistics, personality, and injury history that NFL teams often utilize to evaluate draft prospects. The results below were obtained using a </a:t>
+            </a:r>
+            <a:r>
+              <a:rPr lang="en-US" sz="2200" dirty="0" smtClean="0"/>
+              <a:t>k-value </a:t>
+            </a:r>
+            <a:r>
+              <a:rPr lang="en-US" sz="2200" dirty="0"/>
+              <a:t>of 3 and by limiting </a:t>
+            </a:r>
+            <a:r>
+              <a:rPr lang="en-US" sz="2200" dirty="0" smtClean="0"/>
+              <a:t>comparison </a:t>
+            </a:r>
+            <a:r>
+              <a:rPr lang="en-US" sz="2200" dirty="0"/>
+              <a:t>to neighbors </a:t>
+            </a:r>
+            <a:r>
+              <a:rPr lang="en-US" sz="2200" dirty="0" smtClean="0"/>
+              <a:t>within </a:t>
+            </a:r>
+            <a:r>
+              <a:rPr lang="en-US" sz="2200" dirty="0"/>
+              <a:t>the same position.</a:t>
+            </a:r>
           </a:p>
           <a:p>
             <a:r>
-              <a:rPr lang="en-US" sz="2800" dirty="0"/>
+              <a:rPr lang="en-US" sz="2200" dirty="0"/>
               <a:t/>
             </a:r>
             <a:br>
-              <a:rPr lang="en-US" sz="2800" dirty="0"/>
+              <a:rPr lang="en-US" sz="2200" dirty="0"/>
             </a:br>
-            <a:endParaRPr lang="en-US" sz="2500" dirty="0">
+            <a:endParaRPr lang="en-US" sz="2200" dirty="0">
               <a:latin typeface="Times New Roman" panose="02020603050405020304" pitchFamily="18" charset="0"/>
               <a:cs typeface="Times New Roman" panose="02020603050405020304" pitchFamily="18" charset="0"/>
             </a:endParaRPr>
@@ -15384,8 +15248,8 @@
         </p:nvSpPr>
         <p:spPr>
           <a:xfrm>
-            <a:off x="19886066" y="6028596"/>
-            <a:ext cx="7936088" cy="3677930"/>
+            <a:off x="19916546" y="5790054"/>
+            <a:ext cx="7936088" cy="3816429"/>
           </a:xfrm>
           <a:prstGeom prst="rect">
             <a:avLst/>
@@ -15399,20 +15263,45 @@
           <a:lstStyle/>
           <a:p>
             <a:r>
-              <a:rPr lang="en-US" sz="2000" dirty="0" smtClean="0"/>
-              <a:t>Our analysis of the draft dates from </a:t>
-            </a:r>
-            <a:r>
-              <a:rPr lang="en-US" sz="2000" b="1" dirty="0" smtClean="0"/>
-              <a:t>1980</a:t>
-            </a:r>
-            <a:r>
-              <a:rPr lang="en-US" sz="2000" dirty="0" smtClean="0"/>
-              <a:t>, and groups all players in a given position and drafted in the same round together (with the exception of Round 8 and undrafted players). The results show clearly: </a:t>
-            </a:r>
+              <a:rPr lang="en-US" sz="2200" dirty="0" smtClean="0"/>
+              <a:t>Our analysis of the draft </a:t>
+            </a:r>
+            <a:r>
+              <a:rPr lang="en-US" sz="2200" dirty="0" smtClean="0"/>
+              <a:t>begins with the </a:t>
+            </a:r>
+            <a:r>
+              <a:rPr lang="en-US" sz="2200" b="1" dirty="0" smtClean="0"/>
+              <a:t>1980 </a:t>
+            </a:r>
+            <a:r>
+              <a:rPr lang="en-US" altLang="zh-CN" sz="2200" dirty="0" smtClean="0"/>
+              <a:t>class</a:t>
+            </a:r>
+            <a:r>
+              <a:rPr lang="en-US" sz="2200" dirty="0" smtClean="0"/>
+              <a:t>, </a:t>
+            </a:r>
+            <a:r>
+              <a:rPr lang="en-US" sz="2200" dirty="0" smtClean="0"/>
+              <a:t>and groups all players in a given position </a:t>
+            </a:r>
+            <a:r>
+              <a:rPr lang="en-US" sz="2200" dirty="0" smtClean="0"/>
+              <a:t>and round </a:t>
+            </a:r>
+            <a:r>
+              <a:rPr lang="en-US" sz="2200" dirty="0" smtClean="0"/>
+              <a:t>together (with the exception of Round 8 and undrafted players). The results </a:t>
+            </a:r>
+            <a:r>
+              <a:rPr lang="en-US" sz="2200" dirty="0" smtClean="0"/>
+              <a:t>clearly show: </a:t>
+            </a:r>
+            <a:endParaRPr lang="en-US" sz="2200" dirty="0" smtClean="0"/>
           </a:p>
           <a:p>
-            <a:endParaRPr lang="en-US" sz="2000" dirty="0" smtClean="0"/>
+            <a:endParaRPr lang="en-US" sz="2200" dirty="0" smtClean="0"/>
           </a:p>
           <a:p>
             <a:pPr marL="342900" indent="-342900">
@@ -15420,21 +15309,42 @@
               <a:buChar char="•"/>
             </a:pPr>
             <a:r>
-              <a:rPr lang="en-US" sz="2000" dirty="0"/>
+              <a:rPr lang="en-US" sz="2200" dirty="0"/>
               <a:t>A</a:t>
             </a:r>
             <a:r>
-              <a:rPr lang="en-US" sz="2000" dirty="0" smtClean="0"/>
+              <a:rPr lang="en-US" sz="2200" dirty="0" smtClean="0"/>
               <a:t> </a:t>
             </a:r>
             <a:r>
-              <a:rPr lang="en-US" sz="2000" b="1" dirty="0" smtClean="0"/>
+              <a:rPr lang="en-US" sz="2200" b="1" dirty="0" smtClean="0"/>
               <a:t>decreasing</a:t>
             </a:r>
             <a:r>
-              <a:rPr lang="en-US" sz="2000" dirty="0" smtClean="0"/>
-              <a:t> total average AV value as the draft rounds increase</a:t>
-            </a:r>
+              <a:rPr lang="en-US" sz="2200" dirty="0" smtClean="0"/>
+              <a:t> </a:t>
+            </a:r>
+            <a:r>
+              <a:rPr lang="en-US" sz="2200" dirty="0" smtClean="0"/>
+              <a:t>average </a:t>
+            </a:r>
+            <a:r>
+              <a:rPr lang="en-US" sz="2200" dirty="0" smtClean="0"/>
+              <a:t>AV value as </a:t>
+            </a:r>
+            <a:r>
+              <a:rPr lang="en-US" sz="2200" dirty="0" smtClean="0"/>
+              <a:t>draft </a:t>
+            </a:r>
+            <a:r>
+              <a:rPr lang="en-US" sz="2200" dirty="0" smtClean="0"/>
+              <a:t>rounds </a:t>
+            </a:r>
+            <a:r>
+              <a:rPr lang="en-US" sz="2200" dirty="0" smtClean="0"/>
+              <a:t>increase.</a:t>
+            </a:r>
+            <a:endParaRPr lang="en-US" sz="2200" dirty="0" smtClean="0"/>
           </a:p>
           <a:p>
             <a:pPr marL="342900" indent="-342900">
@@ -15442,21 +15352,26 @@
               <a:buChar char="•"/>
             </a:pPr>
             <a:r>
-              <a:rPr lang="en-US" sz="2000" dirty="0"/>
+              <a:rPr lang="en-US" sz="2200" dirty="0"/>
               <a:t>A</a:t>
             </a:r>
             <a:r>
-              <a:rPr lang="en-US" sz="2000" dirty="0" smtClean="0"/>
+              <a:rPr lang="en-US" sz="2200" dirty="0" smtClean="0"/>
               <a:t> </a:t>
             </a:r>
             <a:r>
-              <a:rPr lang="en-US" sz="2000" b="1" dirty="0" smtClean="0"/>
+              <a:rPr lang="en-US" sz="2200" b="1" dirty="0" smtClean="0"/>
               <a:t>higher</a:t>
             </a:r>
             <a:r>
-              <a:rPr lang="en-US" sz="2000" dirty="0" smtClean="0"/>
-              <a:t> contribution to AV from certain positions such as quarterbacks (QB)</a:t>
-            </a:r>
+              <a:rPr lang="en-US" sz="2200" dirty="0" smtClean="0"/>
+              <a:t> contribution to AV from certain positions such as quarterbacks (QB</a:t>
+            </a:r>
+            <a:r>
+              <a:rPr lang="en-US" sz="2200" dirty="0" smtClean="0"/>
+              <a:t>).</a:t>
+            </a:r>
+            <a:endParaRPr lang="en-US" sz="2200" dirty="0" smtClean="0"/>
           </a:p>
           <a:p>
             <a:pPr marL="342900" indent="-342900">
@@ -15464,28 +15379,28 @@
               <a:buChar char="•"/>
             </a:pPr>
             <a:r>
-              <a:rPr lang="en-US" sz="2000" dirty="0" smtClean="0"/>
+              <a:rPr lang="en-US" sz="2200" dirty="0" smtClean="0"/>
               <a:t>A relatively </a:t>
             </a:r>
             <a:r>
-              <a:rPr lang="en-US" sz="2000" b="1" dirty="0" smtClean="0"/>
+              <a:rPr lang="en-US" sz="2200" b="1" dirty="0" smtClean="0"/>
               <a:t>steady</a:t>
             </a:r>
             <a:r>
-              <a:rPr lang="en-US" sz="2000" dirty="0" smtClean="0"/>
+              <a:rPr lang="en-US" sz="2200" dirty="0" smtClean="0"/>
               <a:t> average AV value for kickers (K) indicating that teams may wish to draft these positions in later rounds.</a:t>
             </a:r>
-            <a:endParaRPr lang="en-US" sz="2000" dirty="0"/>
+            <a:endParaRPr lang="en-US" sz="2200" dirty="0"/>
           </a:p>
           <a:p>
             <a:r>
-              <a:rPr lang="en-US" sz="2800" dirty="0"/>
+              <a:rPr lang="en-US" sz="2200" dirty="0"/>
               <a:t/>
             </a:r>
             <a:br>
-              <a:rPr lang="en-US" sz="2800" dirty="0"/>
+              <a:rPr lang="en-US" sz="2200" dirty="0"/>
             </a:br>
-            <a:endParaRPr lang="en-US" sz="2500" dirty="0">
+            <a:endParaRPr lang="en-US" sz="2200" dirty="0">
               <a:latin typeface="Times New Roman" panose="02020603050405020304" pitchFamily="18" charset="0"/>
               <a:cs typeface="Times New Roman" panose="02020603050405020304" pitchFamily="18" charset="0"/>
             </a:endParaRPr>
@@ -15500,8 +15415,8 @@
         </p:nvSpPr>
         <p:spPr>
           <a:xfrm>
-            <a:off x="1429928" y="20812368"/>
-            <a:ext cx="7783878" cy="5324535"/>
+            <a:off x="1242337" y="19523306"/>
+            <a:ext cx="7783878" cy="4832092"/>
           </a:xfrm>
           <a:prstGeom prst="rect">
             <a:avLst/>
@@ -15514,192 +15429,2006 @@
           </a:bodyPr>
           <a:lstStyle/>
           <a:p>
-            <a:r>
-              <a:rPr lang="en-US" sz="2000" dirty="0" smtClean="0"/>
-              <a:t>- We </a:t>
-            </a:r>
-            <a:r>
-              <a:rPr lang="en-US" sz="2000" b="1" dirty="0"/>
+            <a:pPr marL="342900" indent="-342900">
+              <a:buFont typeface="Arial" charset="0"/>
+              <a:buChar char="•"/>
+            </a:pPr>
+            <a:r>
+              <a:rPr lang="en-US" sz="2200" dirty="0" smtClean="0"/>
+              <a:t>We </a:t>
+            </a:r>
+            <a:r>
+              <a:rPr lang="en-US" sz="2200" b="1" dirty="0"/>
               <a:t>collected </a:t>
             </a:r>
             <a:r>
-              <a:rPr lang="en-US" sz="2000" dirty="0"/>
+              <a:rPr lang="en-US" sz="2200" dirty="0"/>
               <a:t>AV data from 1978 to 2016 from </a:t>
             </a:r>
             <a:r>
-              <a:rPr lang="en-US" sz="2000" i="1" dirty="0"/>
+              <a:rPr lang="en-US" sz="2200" i="1" dirty="0"/>
               <a:t>Pro Football Reference,</a:t>
             </a:r>
             <a:r>
-              <a:rPr lang="en-US" sz="2000" dirty="0"/>
+              <a:rPr lang="en-US" sz="2200" dirty="0"/>
               <a:t> roster data from 1978 to 2016 from </a:t>
             </a:r>
             <a:r>
-              <a:rPr lang="en-US" sz="2000" i="1" dirty="0"/>
+              <a:rPr lang="en-US" sz="2200" i="1" dirty="0"/>
               <a:t>Pro Football Reference</a:t>
             </a:r>
             <a:r>
-              <a:rPr lang="en-US" sz="2000" dirty="0"/>
+              <a:rPr lang="en-US" sz="2200" dirty="0"/>
               <a:t> and</a:t>
             </a:r>
             <a:r>
-              <a:rPr lang="en-US" sz="2000" i="1" dirty="0"/>
+              <a:rPr lang="en-US" sz="2200" i="1" dirty="0"/>
               <a:t> The Football Database</a:t>
             </a:r>
             <a:r>
-              <a:rPr lang="en-US" sz="2000" dirty="0"/>
+              <a:rPr lang="en-US" sz="2200" dirty="0"/>
               <a:t>, combine data from 1999 to 2017 from</a:t>
             </a:r>
             <a:r>
-              <a:rPr lang="en-US" sz="2000" i="1" dirty="0"/>
+              <a:rPr lang="en-US" sz="2200" i="1" dirty="0"/>
               <a:t> Pro Football Reference</a:t>
             </a:r>
             <a:r>
-              <a:rPr lang="en-US" sz="2000" dirty="0"/>
+              <a:rPr lang="en-US" sz="2200" dirty="0"/>
               <a:t> and </a:t>
             </a:r>
             <a:r>
-              <a:rPr lang="en-US" sz="2000" i="1" dirty="0"/>
+              <a:rPr lang="en-US" sz="2200" i="1" dirty="0"/>
               <a:t>NFL Combine Results</a:t>
             </a:r>
             <a:r>
-              <a:rPr lang="en-US" sz="2000" dirty="0"/>
+              <a:rPr lang="en-US" sz="2200" dirty="0"/>
               <a:t>, standings data from 1978 to 2016 from </a:t>
             </a:r>
             <a:r>
-              <a:rPr lang="en-US" sz="2000" i="1" dirty="0"/>
+              <a:rPr lang="en-US" sz="2200" i="1" dirty="0"/>
               <a:t>Pro Football Reference</a:t>
             </a:r>
             <a:r>
-              <a:rPr lang="en-US" sz="2000" dirty="0"/>
+              <a:rPr lang="en-US" sz="2200" dirty="0"/>
               <a:t>, and salary data from 1994 to 2021 from </a:t>
             </a:r>
             <a:r>
-              <a:rPr lang="en-US" sz="2000" i="1" dirty="0" err="1"/>
+              <a:rPr lang="en-US" sz="2200" i="1" dirty="0" err="1" smtClean="0"/>
               <a:t>Spotrac</a:t>
             </a:r>
             <a:r>
-              <a:rPr lang="en-US" sz="2000" dirty="0"/>
+              <a:rPr lang="en-US" sz="2200" dirty="0" smtClean="0"/>
               <a:t>.</a:t>
             </a:r>
           </a:p>
           <a:p>
-            <a:r>
-              <a:rPr lang="en-US" sz="2000" dirty="0" smtClean="0"/>
-              <a:t>his </a:t>
-            </a:r>
-            <a:r>
-              <a:rPr lang="en-US" sz="2000" dirty="0"/>
-              <a:t>data using Python’s </a:t>
-            </a:r>
-            <a:r>
-              <a:rPr lang="en-US" sz="2000" dirty="0" err="1"/>
-              <a:t>BeautifulSoup</a:t>
-            </a:r>
-            <a:r>
-              <a:rPr lang="en-US" sz="2000" dirty="0"/>
-              <a:t> package.</a:t>
+            <a:pPr marL="342900" indent="-342900">
+              <a:buFont typeface="Arial" charset="0"/>
+              <a:buChar char="•"/>
+            </a:pPr>
+            <a:r>
+              <a:rPr lang="en-US" sz="2200" dirty="0" smtClean="0"/>
+              <a:t>We </a:t>
+            </a:r>
+            <a:r>
+              <a:rPr lang="en-US" sz="2200" b="1" dirty="0" smtClean="0"/>
+              <a:t>cleaned </a:t>
+            </a:r>
+            <a:r>
+              <a:rPr lang="en-US" sz="2200" dirty="0" smtClean="0"/>
+              <a:t>and </a:t>
+            </a:r>
+            <a:r>
+              <a:rPr lang="en-US" sz="2200" b="1" dirty="0" smtClean="0"/>
+              <a:t>loaded</a:t>
+            </a:r>
+            <a:r>
+              <a:rPr lang="en-US" sz="2200" dirty="0" smtClean="0"/>
+              <a:t> </a:t>
+            </a:r>
+            <a:r>
+              <a:rPr lang="en-US" sz="2200" dirty="0"/>
+              <a:t>the </a:t>
+            </a:r>
+            <a:r>
+              <a:rPr lang="en-US" sz="2200" dirty="0" smtClean="0"/>
+              <a:t>data </a:t>
+            </a:r>
+            <a:r>
+              <a:rPr lang="en-US" sz="2200" dirty="0"/>
+              <a:t>into</a:t>
+            </a:r>
+            <a:r>
+              <a:rPr lang="en-US" sz="2200" b="1" dirty="0"/>
+              <a:t> SQL databases</a:t>
+            </a:r>
+            <a:r>
+              <a:rPr lang="en-US" sz="2200" dirty="0"/>
+              <a:t>. We decided that it would be best to store data used in separate parts of our project in different </a:t>
+            </a:r>
+            <a:r>
+              <a:rPr lang="en-US" sz="2200" dirty="0" smtClean="0"/>
+              <a:t>databases.</a:t>
             </a:r>
           </a:p>
           <a:p>
-            <a:r>
-              <a:rPr lang="en-US" sz="2000" dirty="0"/>
-              <a:t>- We </a:t>
-            </a:r>
-            <a:r>
-              <a:rPr lang="en-US" sz="2000" b="1" dirty="0"/>
-              <a:t>stored</a:t>
-            </a:r>
-            <a:r>
-              <a:rPr lang="en-US" sz="2000" dirty="0"/>
-              <a:t> this data in CSV files.</a:t>
+            <a:pPr marL="342900" indent="-342900">
+              <a:buFont typeface="Arial" charset="0"/>
+              <a:buChar char="•"/>
+            </a:pPr>
+            <a:r>
+              <a:rPr lang="en-US" sz="2200" dirty="0" smtClean="0"/>
+              <a:t>We </a:t>
+            </a:r>
+            <a:r>
+              <a:rPr lang="en-US" sz="2200" b="1" dirty="0"/>
+              <a:t>created </a:t>
+            </a:r>
+            <a:r>
+              <a:rPr lang="en-US" sz="2200" dirty="0"/>
+              <a:t>custom-made CSV files with cleaned data using </a:t>
+            </a:r>
+            <a:r>
+              <a:rPr lang="en-US" sz="2200" b="1" dirty="0"/>
+              <a:t>SQL queries</a:t>
+            </a:r>
+            <a:r>
+              <a:rPr lang="en-US" sz="2200" dirty="0"/>
+              <a:t>.</a:t>
             </a:r>
           </a:p>
           <a:p>
             <a:r>
-              <a:rPr lang="en-US" sz="2000" dirty="0"/>
-              <a:t>- We </a:t>
-            </a:r>
-            <a:r>
-              <a:rPr lang="en-US" sz="2000" b="1" dirty="0"/>
-              <a:t>cleaned </a:t>
-            </a:r>
-            <a:r>
-              <a:rPr lang="en-US" sz="2000" dirty="0"/>
-              <a:t>the data in the CSV files and </a:t>
-            </a:r>
-            <a:r>
-              <a:rPr lang="en-US" sz="2000" b="1" dirty="0"/>
-              <a:t>merged </a:t>
-            </a:r>
-            <a:r>
-              <a:rPr lang="en-US" sz="2000" dirty="0"/>
-              <a:t>similar data. </a:t>
-            </a:r>
-          </a:p>
-          <a:p>
-            <a:r>
-              <a:rPr lang="en-US" sz="2000" b="1" dirty="0"/>
-              <a:t>- </a:t>
-            </a:r>
-            <a:r>
-              <a:rPr lang="en-US" sz="2000" dirty="0"/>
-              <a:t>We </a:t>
-            </a:r>
-            <a:r>
-              <a:rPr lang="en-US" sz="2000" b="1" dirty="0"/>
-              <a:t>loaded</a:t>
-            </a:r>
-            <a:r>
-              <a:rPr lang="en-US" sz="2000" dirty="0"/>
-              <a:t> the cleaned data into</a:t>
-            </a:r>
-            <a:r>
-              <a:rPr lang="en-US" sz="2000" b="1" dirty="0"/>
-              <a:t> SQL databases</a:t>
-            </a:r>
-            <a:r>
-              <a:rPr lang="en-US" sz="2000" dirty="0"/>
-              <a:t>. We decided that it would be best to store data used in separate parts of our project in different databases.</a:t>
-            </a:r>
-          </a:p>
-          <a:p>
-            <a:r>
-              <a:rPr lang="en-US" sz="2000" dirty="0"/>
-              <a:t>- We </a:t>
-            </a:r>
-            <a:r>
-              <a:rPr lang="en-US" sz="2000" b="1" dirty="0"/>
-              <a:t>created </a:t>
-            </a:r>
-            <a:r>
-              <a:rPr lang="en-US" sz="2000" dirty="0"/>
-              <a:t>custom-made CSV files with cleaned data using </a:t>
-            </a:r>
-            <a:r>
-              <a:rPr lang="en-US" sz="2000" b="1" dirty="0"/>
-              <a:t>SQL queries</a:t>
-            </a:r>
-            <a:r>
-              <a:rPr lang="en-US" sz="2000" dirty="0"/>
-              <a:t>.</a:t>
-            </a:r>
-          </a:p>
-          <a:p>
-            <a:r>
-              <a:rPr lang="en-US" sz="2000" dirty="0"/>
+              <a:rPr lang="en-US" sz="2200" dirty="0"/>
               <a:t/>
             </a:r>
             <a:br>
-              <a:rPr lang="en-US" sz="2000" dirty="0"/>
+              <a:rPr lang="en-US" sz="2200" dirty="0"/>
             </a:br>
-            <a:endParaRPr lang="en-US" sz="2000" dirty="0">
+            <a:endParaRPr lang="en-US" sz="2200" dirty="0">
               <a:latin typeface="Times New Roman" panose="02020603050405020304" pitchFamily="18" charset="0"/>
               <a:cs typeface="Times New Roman" panose="02020603050405020304" pitchFamily="18" charset="0"/>
             </a:endParaRPr>
           </a:p>
           <a:p>
-            <a:endParaRPr lang="en-US" sz="2000" dirty="0">
+            <a:endParaRPr lang="en-US" sz="2200" dirty="0">
+              <a:latin typeface="Times New Roman" panose="02020603050405020304" pitchFamily="18" charset="0"/>
+              <a:cs typeface="Times New Roman" panose="02020603050405020304" pitchFamily="18" charset="0"/>
+            </a:endParaRPr>
+          </a:p>
+        </p:txBody>
+      </p:sp>
+      <p:pic>
+        <p:nvPicPr>
+          <p:cNvPr id="10" name="Picture 9"/>
+          <p:cNvPicPr>
+            <a:picLocks noChangeAspect="1"/>
+          </p:cNvPicPr>
+          <p:nvPr/>
+        </p:nvPicPr>
+        <p:blipFill>
+          <a:blip r:embed="rId5">
+            <a:extLst>
+              <a:ext uri="{28A0092B-C50C-407E-A947-70E740481C1C}">
+                <a14:useLocalDpi xmlns:a14="http://schemas.microsoft.com/office/drawing/2010/main" val="0"/>
+              </a:ext>
+            </a:extLst>
+          </a:blip>
+          <a:stretch>
+            <a:fillRect/>
+          </a:stretch>
+        </p:blipFill>
+        <p:spPr>
+          <a:xfrm>
+            <a:off x="29163952" y="10643181"/>
+            <a:ext cx="7800265" cy="4191544"/>
+          </a:xfrm>
+          <a:prstGeom prst="rect">
+            <a:avLst/>
+          </a:prstGeom>
+        </p:spPr>
+      </p:pic>
+      <p:sp>
+        <p:nvSpPr>
+          <p:cNvPr id="30" name="Text Placeholder 24"/>
+          <p:cNvSpPr>
+            <a:spLocks noGrp="1"/>
+          </p:cNvSpPr>
+          <p:nvPr>
+            <p:ph type="body" sz="quarter" idx="24"/>
+          </p:nvPr>
+        </p:nvSpPr>
+        <p:spPr>
+          <a:xfrm>
+            <a:off x="28830254" y="9824303"/>
+            <a:ext cx="8801100" cy="584767"/>
+          </a:xfrm>
+        </p:spPr>
+        <p:txBody>
+          <a:bodyPr/>
+          <a:lstStyle/>
+          <a:p>
+            <a:r>
+              <a:rPr lang="en-US" sz="2600" u="none" dirty="0" smtClean="0">
+                <a:solidFill>
+                  <a:srgbClr val="002060"/>
+                </a:solidFill>
+              </a:rPr>
+              <a:t>Total AV By Team and Position (2016)</a:t>
+            </a:r>
+            <a:endParaRPr lang="en-US" sz="2600" u="none" dirty="0">
+              <a:solidFill>
+                <a:srgbClr val="002060"/>
+              </a:solidFill>
+            </a:endParaRPr>
+          </a:p>
+        </p:txBody>
+      </p:sp>
+      <p:sp>
+        <p:nvSpPr>
+          <p:cNvPr id="32" name="Rectangle 31"/>
+          <p:cNvSpPr/>
+          <p:nvPr/>
+        </p:nvSpPr>
+        <p:spPr>
+          <a:xfrm>
+            <a:off x="1366634" y="24274463"/>
+            <a:ext cx="7921431" cy="3477875"/>
+          </a:xfrm>
+          <a:prstGeom prst="rect">
+            <a:avLst/>
+          </a:prstGeom>
+        </p:spPr>
+        <p:txBody>
+          <a:bodyPr wrap="square">
+            <a:spAutoFit/>
+          </a:bodyPr>
+          <a:lstStyle/>
+          <a:p>
+            <a:pPr marL="342900" indent="-342900">
+              <a:buFont typeface="Arial" charset="0"/>
+              <a:buChar char="•"/>
+            </a:pPr>
+            <a:r>
+              <a:rPr lang="en-US" sz="2200" dirty="0" smtClean="0">
+                <a:ea typeface="Calibri" charset="0"/>
+                <a:cs typeface="Calibri" charset="0"/>
+              </a:rPr>
+              <a:t>Merging </a:t>
+            </a:r>
+            <a:r>
+              <a:rPr lang="en-US" sz="2200" dirty="0">
+                <a:ea typeface="Calibri" charset="0"/>
+                <a:cs typeface="Calibri" charset="0"/>
+              </a:rPr>
+              <a:t>roster data and combine data from various sources and removing </a:t>
+            </a:r>
+            <a:r>
+              <a:rPr lang="en-US" sz="2200" dirty="0" smtClean="0">
+                <a:ea typeface="Calibri" charset="0"/>
+                <a:cs typeface="Calibri" charset="0"/>
+              </a:rPr>
+              <a:t>duplicates.</a:t>
+            </a:r>
+          </a:p>
+          <a:p>
+            <a:pPr marL="342900" indent="-342900">
+              <a:buFont typeface="Arial" charset="0"/>
+              <a:buChar char="•"/>
+            </a:pPr>
+            <a:r>
+              <a:rPr lang="en-US" sz="2200" dirty="0" smtClean="0">
+                <a:ea typeface="Calibri" charset="0"/>
+                <a:cs typeface="Calibri" charset="0"/>
+              </a:rPr>
+              <a:t>Finding </a:t>
+            </a:r>
+            <a:r>
+              <a:rPr lang="en-US" sz="2200" dirty="0">
+                <a:ea typeface="Calibri" charset="0"/>
+                <a:cs typeface="Calibri" charset="0"/>
+              </a:rPr>
+              <a:t>salary data from before </a:t>
+            </a:r>
+            <a:r>
+              <a:rPr lang="en-US" sz="2200" dirty="0" smtClean="0">
+                <a:ea typeface="Calibri" charset="0"/>
+                <a:cs typeface="Calibri" charset="0"/>
+              </a:rPr>
+              <a:t>2011.</a:t>
+            </a:r>
+          </a:p>
+          <a:p>
+            <a:pPr marL="342900" indent="-342900">
+              <a:buFont typeface="Arial" charset="0"/>
+              <a:buChar char="•"/>
+            </a:pPr>
+            <a:r>
+              <a:rPr lang="en-US" sz="2200" dirty="0" smtClean="0">
+                <a:ea typeface="Calibri" charset="0"/>
+                <a:cs typeface="Calibri" charset="0"/>
+              </a:rPr>
+              <a:t>Assigning </a:t>
+            </a:r>
+            <a:r>
+              <a:rPr lang="en-US" sz="2200" dirty="0">
+                <a:ea typeface="Calibri" charset="0"/>
+                <a:cs typeface="Calibri" charset="0"/>
+              </a:rPr>
+              <a:t>the correct player IDs to players from different </a:t>
+            </a:r>
+            <a:r>
+              <a:rPr lang="en-US" sz="2200" dirty="0" smtClean="0">
+                <a:ea typeface="Calibri" charset="0"/>
+                <a:cs typeface="Calibri" charset="0"/>
+              </a:rPr>
+              <a:t>datasets.</a:t>
+            </a:r>
+          </a:p>
+          <a:p>
+            <a:pPr marL="342900" indent="-342900">
+              <a:buFont typeface="Arial" charset="0"/>
+              <a:buChar char="•"/>
+            </a:pPr>
+            <a:r>
+              <a:rPr lang="en-US" sz="2200" dirty="0" smtClean="0">
+                <a:ea typeface="Calibri" charset="0"/>
+                <a:cs typeface="Calibri" charset="0"/>
+              </a:rPr>
+              <a:t>Deciding </a:t>
+            </a:r>
+            <a:r>
+              <a:rPr lang="en-US" sz="2200" dirty="0">
+                <a:ea typeface="Calibri" charset="0"/>
+                <a:cs typeface="Calibri" charset="0"/>
+              </a:rPr>
+              <a:t>on a standard set of position and team </a:t>
+            </a:r>
+            <a:r>
+              <a:rPr lang="en-US" sz="2200" dirty="0" smtClean="0">
+                <a:ea typeface="Calibri" charset="0"/>
+                <a:cs typeface="Calibri" charset="0"/>
+              </a:rPr>
+              <a:t>IDs.</a:t>
+            </a:r>
+            <a:endParaRPr lang="en-US" sz="2200" dirty="0">
+              <a:ea typeface="Calibri" charset="0"/>
+              <a:cs typeface="Calibri" charset="0"/>
+            </a:endParaRPr>
+          </a:p>
+          <a:p>
+            <a:pPr marL="342900" indent="-342900">
+              <a:buFont typeface="Arial" charset="0"/>
+              <a:buChar char="•"/>
+            </a:pPr>
+            <a:r>
+              <a:rPr lang="en-US" sz="2200" dirty="0" smtClean="0">
+                <a:ea typeface="Calibri" charset="0"/>
+                <a:cs typeface="Calibri" charset="0"/>
+              </a:rPr>
+              <a:t>Tuning </a:t>
+            </a:r>
+            <a:r>
+              <a:rPr lang="en-US" sz="2200" dirty="0">
+                <a:ea typeface="Calibri" charset="0"/>
+                <a:cs typeface="Calibri" charset="0"/>
+              </a:rPr>
+              <a:t>the team composition model and attempting to avoid overfitting.</a:t>
+            </a:r>
+          </a:p>
+          <a:p>
+            <a:r>
+              <a:rPr lang="en-US" sz="2200" dirty="0">
+                <a:ea typeface="Calibri" charset="0"/>
+                <a:cs typeface="Calibri" charset="0"/>
+              </a:rPr>
+              <a:t/>
+            </a:r>
+            <a:br>
+              <a:rPr lang="en-US" sz="2200" dirty="0">
+                <a:ea typeface="Calibri" charset="0"/>
+                <a:cs typeface="Calibri" charset="0"/>
+              </a:rPr>
+            </a:br>
+            <a:endParaRPr lang="en-US" sz="2200" dirty="0">
+              <a:ea typeface="Calibri" charset="0"/>
+              <a:cs typeface="Calibri" charset="0"/>
+            </a:endParaRPr>
+          </a:p>
+        </p:txBody>
+      </p:sp>
+      <p:sp>
+        <p:nvSpPr>
+          <p:cNvPr id="36" name="Text Placeholder 22"/>
+          <p:cNvSpPr>
+            <a:spLocks noGrp="1"/>
+          </p:cNvSpPr>
+          <p:nvPr>
+            <p:ph type="body" sz="quarter" idx="22"/>
+          </p:nvPr>
+        </p:nvSpPr>
+        <p:spPr>
+          <a:xfrm>
+            <a:off x="1032792" y="23310816"/>
+            <a:ext cx="7993423" cy="682936"/>
+          </a:xfrm>
+        </p:spPr>
+        <p:txBody>
+          <a:bodyPr/>
+          <a:lstStyle/>
+          <a:p>
+            <a:r>
+              <a:rPr lang="en-US" u="none" dirty="0" smtClean="0">
+                <a:solidFill>
+                  <a:srgbClr val="002060"/>
+                </a:solidFill>
+              </a:rPr>
+              <a:t>CHALLENGES</a:t>
+            </a:r>
+            <a:endParaRPr lang="en-US" u="none" dirty="0">
+              <a:solidFill>
+                <a:srgbClr val="002060"/>
+              </a:solidFill>
+            </a:endParaRPr>
+          </a:p>
+        </p:txBody>
+      </p:sp>
+      <p:sp>
+        <p:nvSpPr>
+          <p:cNvPr id="14" name="TextBox 13"/>
+          <p:cNvSpPr txBox="1"/>
+          <p:nvPr/>
+        </p:nvSpPr>
+        <p:spPr>
+          <a:xfrm>
+            <a:off x="29163952" y="5790054"/>
+            <a:ext cx="7800265" cy="3139321"/>
+          </a:xfrm>
+          <a:prstGeom prst="rect">
+            <a:avLst/>
+          </a:prstGeom>
+          <a:noFill/>
+        </p:spPr>
+        <p:txBody>
+          <a:bodyPr wrap="square" rtlCol="0">
+            <a:spAutoFit/>
+          </a:bodyPr>
+          <a:lstStyle/>
+          <a:p>
+            <a:r>
+              <a:rPr lang="en-US" sz="2200" dirty="0"/>
+              <a:t>Our team composition analysis was done with rosters </a:t>
+            </a:r>
+            <a:r>
+              <a:rPr lang="en-US" sz="2200" dirty="0" smtClean="0"/>
+              <a:t>since </a:t>
+            </a:r>
+            <a:r>
+              <a:rPr lang="en-US" sz="2200" b="1" dirty="0" smtClean="0"/>
+              <a:t>1978</a:t>
+            </a:r>
+            <a:r>
+              <a:rPr lang="en-US" sz="2200" dirty="0" smtClean="0"/>
+              <a:t> </a:t>
+            </a:r>
+            <a:r>
+              <a:rPr lang="en-US" sz="2200" dirty="0"/>
+              <a:t>(the year the NFL switched to a 16 game regular season). The visualization below displays the sum of the AVs of each position for every team in the 2016 season. </a:t>
+            </a:r>
+            <a:endParaRPr lang="en-US" sz="2200" dirty="0" smtClean="0"/>
+          </a:p>
+          <a:p>
+            <a:endParaRPr lang="en-US" sz="2200" dirty="0" smtClean="0"/>
+          </a:p>
+          <a:p>
+            <a:pPr marL="342900" indent="-342900">
+              <a:buFont typeface="Arial" charset="0"/>
+              <a:buChar char="•"/>
+            </a:pPr>
+            <a:r>
+              <a:rPr lang="en-US" sz="2200" dirty="0" smtClean="0"/>
+              <a:t>The </a:t>
+            </a:r>
+            <a:r>
+              <a:rPr lang="en-US" sz="2200" dirty="0"/>
+              <a:t>total AV of each team is </a:t>
+            </a:r>
+            <a:r>
+              <a:rPr lang="en-US" sz="2200" b="1" dirty="0"/>
+              <a:t>highly correlated</a:t>
+            </a:r>
+            <a:r>
+              <a:rPr lang="en-US" sz="2200" dirty="0"/>
+              <a:t> with its success in the 2016 season and </a:t>
+            </a:r>
+            <a:r>
+              <a:rPr lang="en-US" sz="2200" dirty="0" smtClean="0"/>
+              <a:t>playoffs.</a:t>
+            </a:r>
+          </a:p>
+          <a:p>
+            <a:pPr marL="342900" indent="-342900">
+              <a:buFont typeface="Arial" charset="0"/>
+              <a:buChar char="•"/>
+            </a:pPr>
+            <a:r>
+              <a:rPr lang="en-US" sz="2200" b="1" dirty="0" smtClean="0"/>
+              <a:t>Balance </a:t>
+            </a:r>
+            <a:r>
+              <a:rPr lang="en-US" sz="2200" dirty="0"/>
+              <a:t>in team composition is important; the best-performing teams receive significant contributions from all positions.</a:t>
+            </a:r>
+          </a:p>
+        </p:txBody>
+      </p:sp>
+      <p:pic>
+        <p:nvPicPr>
+          <p:cNvPr id="4108" name="Picture 12" descr="roject Logo.png"/>
+          <p:cNvPicPr>
+            <a:picLocks noChangeAspect="1" noChangeArrowheads="1"/>
+          </p:cNvPicPr>
+          <p:nvPr/>
+        </p:nvPicPr>
+        <p:blipFill>
+          <a:blip r:embed="rId6">
+            <a:extLst>
+              <a:ext uri="{28A0092B-C50C-407E-A947-70E740481C1C}">
+                <a14:useLocalDpi xmlns:a14="http://schemas.microsoft.com/office/drawing/2010/main" val="0"/>
+              </a:ext>
+            </a:extLst>
+          </a:blip>
+          <a:srcRect/>
+          <a:stretch>
+            <a:fillRect/>
+          </a:stretch>
+        </p:blipFill>
+        <p:spPr bwMode="auto">
+          <a:xfrm>
+            <a:off x="3946771" y="304259"/>
+            <a:ext cx="2165464" cy="3373817"/>
+          </a:xfrm>
+          <a:prstGeom prst="rect">
+            <a:avLst/>
+          </a:prstGeom>
+          <a:noFill/>
+          <a:extLst>
+            <a:ext uri="{909E8E84-426E-40DD-AFC4-6F175D3DCCD1}">
+              <a14:hiddenFill xmlns:a14="http://schemas.microsoft.com/office/drawing/2010/main">
+                <a:solidFill>
+                  <a:srgbClr val="FFFFFF"/>
+                </a:solidFill>
+              </a14:hiddenFill>
+            </a:ext>
+          </a:extLst>
+        </p:spPr>
+      </p:pic>
+      <p:pic>
+        <p:nvPicPr>
+          <p:cNvPr id="15" name="Picture 14"/>
+          <p:cNvPicPr>
+            <a:picLocks noChangeAspect="1"/>
+          </p:cNvPicPr>
+          <p:nvPr/>
+        </p:nvPicPr>
+        <p:blipFill>
+          <a:blip r:embed="rId7">
+            <a:extLst>
+              <a:ext uri="{28A0092B-C50C-407E-A947-70E740481C1C}">
+                <a14:useLocalDpi xmlns:a14="http://schemas.microsoft.com/office/drawing/2010/main" val="0"/>
+              </a:ext>
+            </a:extLst>
+          </a:blip>
+          <a:stretch>
+            <a:fillRect/>
+          </a:stretch>
+        </p:blipFill>
+        <p:spPr>
+          <a:xfrm>
+            <a:off x="10666103" y="8580992"/>
+            <a:ext cx="7598664" cy="3928872"/>
+          </a:xfrm>
+          <a:prstGeom prst="rect">
+            <a:avLst/>
+          </a:prstGeom>
+        </p:spPr>
+      </p:pic>
+      <p:sp>
+        <p:nvSpPr>
+          <p:cNvPr id="44" name="Text Placeholder 24"/>
+          <p:cNvSpPr>
+            <a:spLocks noGrp="1"/>
+          </p:cNvSpPr>
+          <p:nvPr>
+            <p:ph type="body" sz="quarter" idx="24"/>
+          </p:nvPr>
+        </p:nvSpPr>
+        <p:spPr>
+          <a:xfrm>
+            <a:off x="19499580" y="9382554"/>
+            <a:ext cx="8801100" cy="584767"/>
+          </a:xfrm>
+        </p:spPr>
+        <p:txBody>
+          <a:bodyPr/>
+          <a:lstStyle/>
+          <a:p>
+            <a:r>
+              <a:rPr lang="en-US" sz="2600" u="none" dirty="0" smtClean="0">
+                <a:solidFill>
+                  <a:srgbClr val="002060"/>
+                </a:solidFill>
+              </a:rPr>
+              <a:t>Average AV By Round Drafted</a:t>
+            </a:r>
+            <a:endParaRPr lang="en-US" sz="2600" u="none" dirty="0">
+              <a:solidFill>
+                <a:srgbClr val="002060"/>
+              </a:solidFill>
+            </a:endParaRPr>
+          </a:p>
+        </p:txBody>
+      </p:sp>
+      <p:sp>
+        <p:nvSpPr>
+          <p:cNvPr id="46" name="Text Placeholder 24"/>
+          <p:cNvSpPr>
+            <a:spLocks noGrp="1"/>
+          </p:cNvSpPr>
+          <p:nvPr>
+            <p:ph type="body" sz="quarter" idx="24"/>
+          </p:nvPr>
+        </p:nvSpPr>
+        <p:spPr>
+          <a:xfrm>
+            <a:off x="10276732" y="7607795"/>
+            <a:ext cx="8801100" cy="584767"/>
+          </a:xfrm>
+        </p:spPr>
+        <p:txBody>
+          <a:bodyPr/>
+          <a:lstStyle/>
+          <a:p>
+            <a:r>
+              <a:rPr lang="en-US" sz="2600" u="none" dirty="0"/>
+              <a:t>AV vs. Salary (top 10% in each position based on AV value)</a:t>
+            </a:r>
+            <a:endParaRPr lang="en-US" sz="2600" u="none" dirty="0"/>
+          </a:p>
+        </p:txBody>
+      </p:sp>
+      <p:pic>
+        <p:nvPicPr>
+          <p:cNvPr id="4114" name="Picture 18" descr="https://lh3.googleusercontent.com/9kEF60WlYBp1zLV23Y9uE0Y9XKgZJaYi3aWCoFz4FzVbszcmFSyNuL_yuBEFhs6Liqc8Xp4ynAO0lAdx-L0n2NoTU1K0DyYS175wDRKNpTpbt-tR4_kFVTzOaN3bzg7sYUbEqqnoRS4"/>
+          <p:cNvPicPr>
+            <a:picLocks noChangeAspect="1" noChangeArrowheads="1"/>
+          </p:cNvPicPr>
+          <p:nvPr/>
+        </p:nvPicPr>
+        <p:blipFill rotWithShape="1">
+          <a:blip r:embed="rId8">
+            <a:extLst>
+              <a:ext uri="{28A0092B-C50C-407E-A947-70E740481C1C}">
+                <a14:useLocalDpi xmlns:a14="http://schemas.microsoft.com/office/drawing/2010/main" val="0"/>
+              </a:ext>
+            </a:extLst>
+          </a:blip>
+          <a:srcRect r="1475" b="8922"/>
+          <a:stretch/>
+        </p:blipFill>
+        <p:spPr bwMode="auto">
+          <a:xfrm>
+            <a:off x="11500261" y="23401655"/>
+            <a:ext cx="5842860" cy="3858042"/>
+          </a:xfrm>
+          <a:prstGeom prst="rect">
+            <a:avLst/>
+          </a:prstGeom>
+          <a:noFill/>
+          <a:extLst>
+            <a:ext uri="{909E8E84-426E-40DD-AFC4-6F175D3DCCD1}">
+              <a14:hiddenFill xmlns:a14="http://schemas.microsoft.com/office/drawing/2010/main">
+                <a:solidFill>
+                  <a:srgbClr val="FFFFFF"/>
+                </a:solidFill>
+              </a14:hiddenFill>
+            </a:ext>
+          </a:extLst>
+        </p:spPr>
+      </p:pic>
+      <p:sp>
+        <p:nvSpPr>
+          <p:cNvPr id="17" name="TextBox 16"/>
+          <p:cNvSpPr txBox="1"/>
+          <p:nvPr/>
+        </p:nvSpPr>
+        <p:spPr>
+          <a:xfrm>
+            <a:off x="29298927" y="16131833"/>
+            <a:ext cx="7586878" cy="8217634"/>
+          </a:xfrm>
+          <a:prstGeom prst="rect">
+            <a:avLst/>
+          </a:prstGeom>
+          <a:noFill/>
+        </p:spPr>
+        <p:txBody>
+          <a:bodyPr wrap="square" rtlCol="0">
+            <a:spAutoFit/>
+          </a:bodyPr>
+          <a:lstStyle/>
+          <a:p>
+            <a:r>
+              <a:rPr lang="en-US" sz="2200" b="1" dirty="0"/>
+              <a:t>Model Selection</a:t>
+            </a:r>
+            <a:r>
+              <a:rPr lang="en-US" sz="2200" dirty="0"/>
+              <a:t> - We wanted to select a model that would perform well </a:t>
+            </a:r>
+            <a:r>
+              <a:rPr lang="en-US" sz="2200" dirty="0" smtClean="0"/>
+              <a:t>for </a:t>
+            </a:r>
+            <a:r>
+              <a:rPr lang="en-US" sz="2200" dirty="0"/>
+              <a:t>our classification task and allow transparency about which components of a team contributed to playoff success. We decided on using </a:t>
+            </a:r>
+            <a:r>
+              <a:rPr lang="en-US" sz="2200" dirty="0" err="1"/>
+              <a:t>sklearn’s</a:t>
+            </a:r>
+            <a:r>
+              <a:rPr lang="en-US" sz="2200" dirty="0"/>
+              <a:t> </a:t>
+            </a:r>
+            <a:r>
+              <a:rPr lang="en-US" sz="2200" i="1" dirty="0" err="1"/>
+              <a:t>RandomForestClassifier</a:t>
+            </a:r>
+            <a:r>
+              <a:rPr lang="en-US" sz="2200" dirty="0"/>
+              <a:t> with 2500 trees, balanced class weights and use of out-of-bag error set to ‘True</a:t>
+            </a:r>
+            <a:r>
+              <a:rPr lang="en-US" sz="2200" dirty="0" smtClean="0"/>
+              <a:t>’.</a:t>
+            </a:r>
+          </a:p>
+          <a:p>
+            <a:endParaRPr lang="en-US" sz="2200" dirty="0"/>
+          </a:p>
+          <a:p>
+            <a:r>
+              <a:rPr lang="en-US" sz="2200" b="1" dirty="0"/>
+              <a:t>Feature Engineering</a:t>
+            </a:r>
+            <a:r>
+              <a:rPr lang="en-US" sz="2200" dirty="0"/>
+              <a:t> - We trained our model on summary statistics with respect to each position. These included the mean, sum, and max AV by position as well as the number of players for a given position</a:t>
+            </a:r>
+            <a:r>
+              <a:rPr lang="en-US" sz="2200" dirty="0" smtClean="0"/>
+              <a:t>.</a:t>
+            </a:r>
+          </a:p>
+          <a:p>
+            <a:endParaRPr lang="en-US" sz="2200" dirty="0"/>
+          </a:p>
+          <a:p>
+            <a:r>
+              <a:rPr lang="en-US" sz="2200" b="1" dirty="0"/>
+              <a:t>Validation</a:t>
+            </a:r>
+            <a:r>
+              <a:rPr lang="en-US" sz="2200" dirty="0"/>
+              <a:t> - We validated our models for each playoff milestone using stratified 10-fold cross validation. </a:t>
+            </a:r>
+            <a:endParaRPr lang="en-US" sz="2200" dirty="0" smtClean="0"/>
+          </a:p>
+          <a:p>
+            <a:endParaRPr lang="en-US" sz="2200" b="1" dirty="0" smtClean="0"/>
+          </a:p>
+          <a:p>
+            <a:r>
+              <a:rPr lang="en-US" sz="2200" b="1" dirty="0" smtClean="0"/>
+              <a:t>Results</a:t>
+            </a:r>
+            <a:r>
+              <a:rPr lang="en-US" sz="2200" dirty="0" smtClean="0"/>
+              <a:t> </a:t>
+            </a:r>
+            <a:r>
+              <a:rPr lang="en-US" sz="2200" dirty="0"/>
+              <a:t>- For all playoff milestones the maximum AV and sum of </a:t>
+            </a:r>
+            <a:r>
+              <a:rPr lang="en-US" sz="2200" dirty="0" smtClean="0"/>
+              <a:t>AVs </a:t>
+            </a:r>
+            <a:r>
+              <a:rPr lang="en-US" sz="2200" dirty="0"/>
+              <a:t>for </a:t>
+            </a:r>
+            <a:r>
+              <a:rPr lang="en-US" sz="2200" dirty="0" smtClean="0"/>
+              <a:t>DBs </a:t>
+            </a:r>
+            <a:r>
+              <a:rPr lang="en-US" sz="2200" dirty="0"/>
+              <a:t>and </a:t>
+            </a:r>
+            <a:r>
+              <a:rPr lang="en-US" sz="2200" dirty="0" smtClean="0"/>
+              <a:t>QBs </a:t>
+            </a:r>
+            <a:r>
+              <a:rPr lang="en-US" sz="2200" dirty="0"/>
+              <a:t>were found to be the most important components of a successful team. Among Super Bowl champions, the sum of DB </a:t>
+            </a:r>
+            <a:r>
+              <a:rPr lang="en-US" sz="2200" dirty="0" smtClean="0"/>
+              <a:t>AVs </a:t>
+            </a:r>
+            <a:r>
+              <a:rPr lang="en-US" sz="2200" dirty="0"/>
+              <a:t>was the most important feature by a margin of 160% over a team’s total QB AV. It is </a:t>
+            </a:r>
+            <a:r>
+              <a:rPr lang="en-US" sz="2200" dirty="0" smtClean="0"/>
+              <a:t>trailed in </a:t>
+            </a:r>
+            <a:r>
+              <a:rPr lang="en-US" sz="2200" dirty="0"/>
+              <a:t>importance by the max DB AV and the sum of LB </a:t>
+            </a:r>
+            <a:r>
+              <a:rPr lang="en-US" sz="2200" dirty="0" smtClean="0"/>
+              <a:t>AVs</a:t>
+            </a:r>
+            <a:r>
+              <a:rPr lang="en-US" sz="2200" dirty="0"/>
+              <a:t>, suggesting that </a:t>
+            </a:r>
+            <a:r>
+              <a:rPr lang="en-US" sz="2200" b="1" dirty="0"/>
+              <a:t>defense does indeed win championships</a:t>
+            </a:r>
+            <a:r>
+              <a:rPr lang="en-US" sz="2200" dirty="0"/>
+              <a:t>.</a:t>
+            </a:r>
+            <a:endParaRPr lang="en-US" sz="2200" dirty="0"/>
+          </a:p>
+          <a:p>
+            <a:r>
+              <a:rPr lang="en-US" sz="2200" dirty="0"/>
+              <a:t/>
+            </a:r>
+            <a:br>
+              <a:rPr lang="en-US" sz="2200" dirty="0"/>
+            </a:br>
+            <a:endParaRPr lang="en-US" sz="2200" dirty="0">
+              <a:latin typeface="Times New Roman" panose="02020603050405020304" pitchFamily="18" charset="0"/>
+              <a:cs typeface="Times New Roman" panose="02020603050405020304" pitchFamily="18" charset="0"/>
+            </a:endParaRPr>
+          </a:p>
+        </p:txBody>
+      </p:sp>
+      <p:sp>
+        <p:nvSpPr>
+          <p:cNvPr id="52" name="Text Placeholder 25"/>
+          <p:cNvSpPr>
+            <a:spLocks noGrp="1"/>
+          </p:cNvSpPr>
+          <p:nvPr>
+            <p:ph type="body" sz="quarter" idx="25"/>
+          </p:nvPr>
+        </p:nvSpPr>
+        <p:spPr>
+          <a:xfrm>
+            <a:off x="28717456" y="15175674"/>
+            <a:ext cx="8791141" cy="682936"/>
+          </a:xfrm>
+        </p:spPr>
+        <p:txBody>
+          <a:bodyPr/>
+          <a:lstStyle/>
+          <a:p>
+            <a:r>
+              <a:rPr lang="en-US" u="none" dirty="0" smtClean="0">
+                <a:solidFill>
+                  <a:srgbClr val="002060"/>
+                </a:solidFill>
+              </a:rPr>
+              <a:t>COMPOSITION ENGINE</a:t>
+            </a:r>
+            <a:endParaRPr lang="en-US" u="none" dirty="0">
+              <a:solidFill>
+                <a:srgbClr val="002060"/>
+              </a:solidFill>
+            </a:endParaRPr>
+          </a:p>
+        </p:txBody>
+      </p:sp>
+      <p:pic>
+        <p:nvPicPr>
+          <p:cNvPr id="4116" name="Picture 20" descr="https://lh4.googleusercontent.com/pnLQ1jWOF3KjpcZixN6Inp2G6zRxXZkqnEE8ZX6IqfnNMWGZlu1JGXkomd20odf-AYG1rLqyZPtPu-2L0-WHrdegZZOdIdBLar7RFj6vMoX7IvmJ_Jel3ZJc-9q0dzBz-M-KopNTMkM"/>
+          <p:cNvPicPr>
+            <a:picLocks noChangeAspect="1" noChangeArrowheads="1"/>
+          </p:cNvPicPr>
+          <p:nvPr/>
+        </p:nvPicPr>
+        <p:blipFill>
+          <a:blip r:embed="rId9">
+            <a:extLst>
+              <a:ext uri="{28A0092B-C50C-407E-A947-70E740481C1C}">
+                <a14:useLocalDpi xmlns:a14="http://schemas.microsoft.com/office/drawing/2010/main" val="0"/>
+              </a:ext>
+            </a:extLst>
+          </a:blip>
+          <a:srcRect/>
+          <a:stretch>
+            <a:fillRect/>
+          </a:stretch>
+        </p:blipFill>
+        <p:spPr bwMode="auto">
+          <a:xfrm>
+            <a:off x="10966331" y="15987679"/>
+            <a:ext cx="7159732" cy="5114094"/>
+          </a:xfrm>
+          <a:prstGeom prst="rect">
+            <a:avLst/>
+          </a:prstGeom>
+          <a:noFill/>
+          <a:extLst>
+            <a:ext uri="{909E8E84-426E-40DD-AFC4-6F175D3DCCD1}">
+              <a14:hiddenFill xmlns:a14="http://schemas.microsoft.com/office/drawing/2010/main">
+                <a:solidFill>
+                  <a:srgbClr val="FFFFFF"/>
+                </a:solidFill>
+              </a14:hiddenFill>
+            </a:ext>
+          </a:extLst>
+        </p:spPr>
+      </p:pic>
+      <p:sp>
+        <p:nvSpPr>
+          <p:cNvPr id="28" name="TextBox 27"/>
+          <p:cNvSpPr txBox="1"/>
+          <p:nvPr/>
+        </p:nvSpPr>
+        <p:spPr>
+          <a:xfrm>
+            <a:off x="29298927" y="24755645"/>
+            <a:ext cx="7801363" cy="1785104"/>
+          </a:xfrm>
+          <a:prstGeom prst="rect">
+            <a:avLst/>
+          </a:prstGeom>
+          <a:noFill/>
+        </p:spPr>
+        <p:txBody>
+          <a:bodyPr wrap="square" rtlCol="0">
+            <a:spAutoFit/>
+          </a:bodyPr>
+          <a:lstStyle/>
+          <a:p>
+            <a:r>
+              <a:rPr lang="en-US" sz="2200" i="1" dirty="0">
+                <a:latin typeface="Calibri" charset="0"/>
+                <a:ea typeface="Calibri" charset="0"/>
+                <a:cs typeface="Calibri" charset="0"/>
+              </a:rPr>
+              <a:t>Wildcard</a:t>
+            </a:r>
+            <a:r>
+              <a:rPr lang="en-US" sz="2200" dirty="0">
+                <a:latin typeface="Calibri" charset="0"/>
+                <a:ea typeface="Calibri" charset="0"/>
+                <a:cs typeface="Calibri" charset="0"/>
+              </a:rPr>
+              <a:t> Team Prediction: </a:t>
+            </a:r>
+            <a:r>
+              <a:rPr lang="en-US" sz="2200" b="1" dirty="0">
+                <a:latin typeface="Calibri" charset="0"/>
+                <a:ea typeface="Calibri" charset="0"/>
+                <a:cs typeface="Calibri" charset="0"/>
+              </a:rPr>
+              <a:t>True</a:t>
+            </a:r>
+            <a:r>
+              <a:rPr lang="en-US" sz="2200" dirty="0">
+                <a:latin typeface="Calibri" charset="0"/>
+                <a:ea typeface="Calibri" charset="0"/>
+                <a:cs typeface="Calibri" charset="0"/>
+              </a:rPr>
+              <a:t> (</a:t>
+            </a:r>
+            <a:r>
+              <a:rPr lang="en-US" sz="2200" dirty="0" err="1">
+                <a:latin typeface="Calibri" charset="0"/>
+                <a:ea typeface="Calibri" charset="0"/>
+                <a:cs typeface="Calibri" charset="0"/>
+              </a:rPr>
+              <a:t>Pr</a:t>
+            </a:r>
+            <a:r>
+              <a:rPr lang="en-US" sz="2200" dirty="0">
+                <a:latin typeface="Calibri" charset="0"/>
+                <a:ea typeface="Calibri" charset="0"/>
+                <a:cs typeface="Calibri" charset="0"/>
+              </a:rPr>
+              <a:t>=0.5524</a:t>
+            </a:r>
+            <a:r>
+              <a:rPr lang="en-US" sz="2200" dirty="0" smtClean="0">
+                <a:latin typeface="Calibri" charset="0"/>
+                <a:ea typeface="Calibri" charset="0"/>
+                <a:cs typeface="Calibri" charset="0"/>
+              </a:rPr>
+              <a:t>)</a:t>
+            </a:r>
+          </a:p>
+          <a:p>
+            <a:r>
+              <a:rPr lang="en-US" sz="2200" i="1" dirty="0" smtClean="0">
+                <a:latin typeface="Calibri" charset="0"/>
+                <a:ea typeface="Calibri" charset="0"/>
+                <a:cs typeface="Calibri" charset="0"/>
+              </a:rPr>
+              <a:t>Divisional</a:t>
+            </a:r>
+            <a:r>
+              <a:rPr lang="en-US" sz="2200" dirty="0" smtClean="0">
+                <a:latin typeface="Calibri" charset="0"/>
+                <a:ea typeface="Calibri" charset="0"/>
+                <a:cs typeface="Calibri" charset="0"/>
+              </a:rPr>
+              <a:t> </a:t>
+            </a:r>
+            <a:r>
+              <a:rPr lang="en-US" sz="2200" dirty="0">
+                <a:latin typeface="Calibri" charset="0"/>
+                <a:ea typeface="Calibri" charset="0"/>
+                <a:cs typeface="Calibri" charset="0"/>
+              </a:rPr>
+              <a:t>Team Prediction: </a:t>
+            </a:r>
+            <a:r>
+              <a:rPr lang="en-US" sz="2200" b="1" dirty="0">
+                <a:latin typeface="Calibri" charset="0"/>
+                <a:ea typeface="Calibri" charset="0"/>
+                <a:cs typeface="Calibri" charset="0"/>
+              </a:rPr>
+              <a:t>False</a:t>
+            </a:r>
+            <a:r>
+              <a:rPr lang="en-US" sz="2200" dirty="0">
+                <a:latin typeface="Calibri" charset="0"/>
+                <a:ea typeface="Calibri" charset="0"/>
+                <a:cs typeface="Calibri" charset="0"/>
+              </a:rPr>
+              <a:t> (</a:t>
+            </a:r>
+            <a:r>
+              <a:rPr lang="en-US" sz="2200" dirty="0" err="1">
+                <a:latin typeface="Calibri" charset="0"/>
+                <a:ea typeface="Calibri" charset="0"/>
+                <a:cs typeface="Calibri" charset="0"/>
+              </a:rPr>
+              <a:t>Pr</a:t>
+            </a:r>
+            <a:r>
+              <a:rPr lang="en-US" sz="2200" dirty="0">
+                <a:latin typeface="Calibri" charset="0"/>
+                <a:ea typeface="Calibri" charset="0"/>
+                <a:cs typeface="Calibri" charset="0"/>
+              </a:rPr>
+              <a:t>=0.5696</a:t>
+            </a:r>
+            <a:r>
+              <a:rPr lang="en-US" sz="2200" dirty="0" smtClean="0">
+                <a:latin typeface="Calibri" charset="0"/>
+                <a:ea typeface="Calibri" charset="0"/>
+                <a:cs typeface="Calibri" charset="0"/>
+              </a:rPr>
+              <a:t>)</a:t>
+            </a:r>
+          </a:p>
+          <a:p>
+            <a:r>
+              <a:rPr lang="en-US" sz="2200" i="1" dirty="0" smtClean="0">
+                <a:latin typeface="Calibri" charset="0"/>
+                <a:ea typeface="Calibri" charset="0"/>
+                <a:cs typeface="Calibri" charset="0"/>
+              </a:rPr>
+              <a:t>Conference</a:t>
+            </a:r>
+            <a:r>
+              <a:rPr lang="en-US" sz="2200" dirty="0" smtClean="0">
+                <a:latin typeface="Calibri" charset="0"/>
+                <a:ea typeface="Calibri" charset="0"/>
+                <a:cs typeface="Calibri" charset="0"/>
+              </a:rPr>
+              <a:t> </a:t>
+            </a:r>
+            <a:r>
+              <a:rPr lang="en-US" sz="2200" dirty="0">
+                <a:latin typeface="Calibri" charset="0"/>
+                <a:ea typeface="Calibri" charset="0"/>
+                <a:cs typeface="Calibri" charset="0"/>
+              </a:rPr>
+              <a:t>Team Prediction: </a:t>
+            </a:r>
+            <a:r>
+              <a:rPr lang="en-US" sz="2200" b="1" dirty="0">
+                <a:latin typeface="Calibri" charset="0"/>
+                <a:ea typeface="Calibri" charset="0"/>
+                <a:cs typeface="Calibri" charset="0"/>
+              </a:rPr>
+              <a:t>False</a:t>
+            </a:r>
+            <a:r>
+              <a:rPr lang="en-US" sz="2200" dirty="0">
+                <a:latin typeface="Calibri" charset="0"/>
+                <a:ea typeface="Calibri" charset="0"/>
+                <a:cs typeface="Calibri" charset="0"/>
+              </a:rPr>
+              <a:t> (</a:t>
+            </a:r>
+            <a:r>
+              <a:rPr lang="en-US" sz="2200" dirty="0" err="1">
+                <a:latin typeface="Calibri" charset="0"/>
+                <a:ea typeface="Calibri" charset="0"/>
+                <a:cs typeface="Calibri" charset="0"/>
+              </a:rPr>
+              <a:t>Pr</a:t>
+            </a:r>
+            <a:r>
+              <a:rPr lang="en-US" sz="2200" dirty="0">
+                <a:latin typeface="Calibri" charset="0"/>
+                <a:ea typeface="Calibri" charset="0"/>
+                <a:cs typeface="Calibri" charset="0"/>
+              </a:rPr>
+              <a:t>=0.8892</a:t>
+            </a:r>
+            <a:r>
+              <a:rPr lang="en-US" sz="2200" dirty="0" smtClean="0">
+                <a:latin typeface="Calibri" charset="0"/>
+                <a:ea typeface="Calibri" charset="0"/>
+                <a:cs typeface="Calibri" charset="0"/>
+              </a:rPr>
+              <a:t>)</a:t>
+            </a:r>
+          </a:p>
+          <a:p>
+            <a:r>
+              <a:rPr lang="en-US" sz="2200" i="1" dirty="0" smtClean="0">
+                <a:latin typeface="Calibri" charset="0"/>
+                <a:ea typeface="Calibri" charset="0"/>
+                <a:cs typeface="Calibri" charset="0"/>
+              </a:rPr>
+              <a:t>Super Bowl</a:t>
+            </a:r>
+            <a:r>
+              <a:rPr lang="en-US" sz="2200" dirty="0" smtClean="0">
+                <a:latin typeface="Calibri" charset="0"/>
+                <a:ea typeface="Calibri" charset="0"/>
+                <a:cs typeface="Calibri" charset="0"/>
+              </a:rPr>
+              <a:t> </a:t>
+            </a:r>
+            <a:r>
+              <a:rPr lang="en-US" sz="2200" dirty="0">
+                <a:latin typeface="Calibri" charset="0"/>
+                <a:ea typeface="Calibri" charset="0"/>
+                <a:cs typeface="Calibri" charset="0"/>
+              </a:rPr>
+              <a:t>Team Prediction: </a:t>
+            </a:r>
+            <a:r>
+              <a:rPr lang="en-US" sz="2200" b="1" dirty="0">
+                <a:latin typeface="Calibri" charset="0"/>
+                <a:ea typeface="Calibri" charset="0"/>
+                <a:cs typeface="Calibri" charset="0"/>
+              </a:rPr>
+              <a:t>False</a:t>
+            </a:r>
+            <a:r>
+              <a:rPr lang="en-US" sz="2200" dirty="0">
+                <a:latin typeface="Calibri" charset="0"/>
+                <a:ea typeface="Calibri" charset="0"/>
+                <a:cs typeface="Calibri" charset="0"/>
+              </a:rPr>
+              <a:t> (</a:t>
+            </a:r>
+            <a:r>
+              <a:rPr lang="en-US" sz="2200" dirty="0" err="1">
+                <a:latin typeface="Calibri" charset="0"/>
+                <a:ea typeface="Calibri" charset="0"/>
+                <a:cs typeface="Calibri" charset="0"/>
+              </a:rPr>
+              <a:t>Pr</a:t>
+            </a:r>
+            <a:r>
+              <a:rPr lang="en-US" sz="2200" dirty="0">
+                <a:latin typeface="Calibri" charset="0"/>
+                <a:ea typeface="Calibri" charset="0"/>
+                <a:cs typeface="Calibri" charset="0"/>
+              </a:rPr>
+              <a:t>=0.9712</a:t>
+            </a:r>
+            <a:r>
+              <a:rPr lang="en-US" sz="2200" dirty="0" smtClean="0">
+                <a:latin typeface="Calibri" charset="0"/>
+                <a:ea typeface="Calibri" charset="0"/>
+                <a:cs typeface="Calibri" charset="0"/>
+              </a:rPr>
+              <a:t>)</a:t>
+            </a:r>
+          </a:p>
+          <a:p>
+            <a:r>
+              <a:rPr lang="en-US" sz="2200" i="1" dirty="0" smtClean="0">
+                <a:latin typeface="Calibri" charset="0"/>
+                <a:ea typeface="Calibri" charset="0"/>
+                <a:cs typeface="Calibri" charset="0"/>
+              </a:rPr>
+              <a:t>Championship</a:t>
+            </a:r>
+            <a:r>
+              <a:rPr lang="en-US" sz="2200" dirty="0" smtClean="0">
+                <a:latin typeface="Calibri" charset="0"/>
+                <a:ea typeface="Calibri" charset="0"/>
+                <a:cs typeface="Calibri" charset="0"/>
+              </a:rPr>
+              <a:t> </a:t>
+            </a:r>
+            <a:r>
+              <a:rPr lang="en-US" sz="2200" dirty="0">
+                <a:latin typeface="Calibri" charset="0"/>
+                <a:ea typeface="Calibri" charset="0"/>
+                <a:cs typeface="Calibri" charset="0"/>
+              </a:rPr>
+              <a:t>Team Prediction: </a:t>
+            </a:r>
+            <a:r>
+              <a:rPr lang="en-US" sz="2200" b="1" dirty="0">
+                <a:latin typeface="Calibri" charset="0"/>
+                <a:ea typeface="Calibri" charset="0"/>
+                <a:cs typeface="Calibri" charset="0"/>
+              </a:rPr>
+              <a:t>False</a:t>
+            </a:r>
+            <a:r>
+              <a:rPr lang="en-US" sz="2200" dirty="0">
+                <a:latin typeface="Calibri" charset="0"/>
+                <a:ea typeface="Calibri" charset="0"/>
+                <a:cs typeface="Calibri" charset="0"/>
+              </a:rPr>
+              <a:t> (</a:t>
+            </a:r>
+            <a:r>
+              <a:rPr lang="en-US" sz="2200" dirty="0" err="1">
+                <a:latin typeface="Calibri" charset="0"/>
+                <a:ea typeface="Calibri" charset="0"/>
+                <a:cs typeface="Calibri" charset="0"/>
+              </a:rPr>
+              <a:t>Pr</a:t>
+            </a:r>
+            <a:r>
+              <a:rPr lang="en-US" sz="2200" dirty="0">
+                <a:latin typeface="Calibri" charset="0"/>
+                <a:ea typeface="Calibri" charset="0"/>
+                <a:cs typeface="Calibri" charset="0"/>
+              </a:rPr>
+              <a:t>=0.982)</a:t>
+            </a:r>
+            <a:endParaRPr lang="en-US" sz="2200" dirty="0">
+              <a:latin typeface="Calibri" charset="0"/>
+              <a:ea typeface="Calibri" charset="0"/>
+              <a:cs typeface="Calibri" charset="0"/>
+            </a:endParaRPr>
+          </a:p>
+        </p:txBody>
+      </p:sp>
+      <p:sp>
+        <p:nvSpPr>
+          <p:cNvPr id="37" name="TextBox 36"/>
+          <p:cNvSpPr txBox="1"/>
+          <p:nvPr/>
+        </p:nvSpPr>
+        <p:spPr>
+          <a:xfrm>
+            <a:off x="1125975" y="5661094"/>
+            <a:ext cx="8438294" cy="6186309"/>
+          </a:xfrm>
+          <a:prstGeom prst="rect">
+            <a:avLst/>
+          </a:prstGeom>
+          <a:noFill/>
+        </p:spPr>
+        <p:txBody>
+          <a:bodyPr wrap="square" rtlCol="0">
+            <a:spAutoFit/>
+          </a:bodyPr>
+          <a:lstStyle/>
+          <a:p>
+            <a:r>
+              <a:rPr lang="en-US" sz="2200" dirty="0" smtClean="0"/>
+              <a:t>The central objective </a:t>
+            </a:r>
+            <a:r>
+              <a:rPr lang="en-US" sz="2200" dirty="0"/>
+              <a:t>of our project </a:t>
+            </a:r>
+            <a:r>
+              <a:rPr lang="en-US" sz="2200" dirty="0" smtClean="0"/>
+              <a:t>is to </a:t>
+            </a:r>
+            <a:r>
+              <a:rPr lang="en-US" sz="2200" dirty="0"/>
+              <a:t>create a means by which to evaluate the “true value” of a player in the NFL. Our objectives surrounding the determination of true value </a:t>
+            </a:r>
+            <a:r>
+              <a:rPr lang="en-US" sz="2200" dirty="0" smtClean="0"/>
+              <a:t>include:</a:t>
+            </a:r>
+          </a:p>
+          <a:p>
+            <a:endParaRPr lang="en-US" sz="2200" dirty="0"/>
+          </a:p>
+          <a:p>
+            <a:pPr marL="342900" indent="-342900">
+              <a:buFont typeface="Arial" charset="0"/>
+              <a:buChar char="•"/>
+            </a:pPr>
+            <a:r>
+              <a:rPr lang="en-US" sz="2200" dirty="0"/>
+              <a:t>A</a:t>
+            </a:r>
+            <a:r>
+              <a:rPr lang="en-US" sz="2200" dirty="0" smtClean="0"/>
+              <a:t>pproximating </a:t>
+            </a:r>
+            <a:r>
+              <a:rPr lang="en-US" sz="2200" dirty="0"/>
+              <a:t>an appropriate salary for a player given their </a:t>
+            </a:r>
+            <a:r>
+              <a:rPr lang="en-US" sz="2200" dirty="0" smtClean="0"/>
+              <a:t>performance.</a:t>
+            </a:r>
+          </a:p>
+          <a:p>
+            <a:pPr marL="342900" indent="-342900">
+              <a:buFont typeface="Arial" charset="0"/>
+              <a:buChar char="•"/>
+            </a:pPr>
+            <a:r>
+              <a:rPr lang="en-US" sz="2200" dirty="0"/>
+              <a:t>D</a:t>
+            </a:r>
+            <a:r>
+              <a:rPr lang="en-US" sz="2200" dirty="0" smtClean="0"/>
+              <a:t>etermining </a:t>
+            </a:r>
+            <a:r>
+              <a:rPr lang="en-US" sz="2200" dirty="0"/>
+              <a:t>which players are over or </a:t>
+            </a:r>
+            <a:r>
+              <a:rPr lang="en-US" sz="2200" dirty="0" smtClean="0"/>
+              <a:t>underpaid.</a:t>
+            </a:r>
+          </a:p>
+          <a:p>
+            <a:pPr marL="342900" indent="-342900">
+              <a:buFont typeface="Arial" charset="0"/>
+              <a:buChar char="•"/>
+            </a:pPr>
+            <a:r>
+              <a:rPr lang="en-US" sz="2200" dirty="0"/>
+              <a:t>P</a:t>
+            </a:r>
+            <a:r>
+              <a:rPr lang="en-US" sz="2200" dirty="0" smtClean="0"/>
+              <a:t>redicting </a:t>
+            </a:r>
+            <a:r>
+              <a:rPr lang="en-US" sz="2200" dirty="0"/>
+              <a:t>a draft prospect’s performance </a:t>
+            </a:r>
+            <a:r>
+              <a:rPr lang="en-US" sz="2200" dirty="0" smtClean="0"/>
+              <a:t>based </a:t>
+            </a:r>
+            <a:r>
+              <a:rPr lang="en-US" sz="2200" dirty="0"/>
+              <a:t>on </a:t>
+            </a:r>
+            <a:r>
+              <a:rPr lang="en-US" sz="2200" dirty="0" smtClean="0"/>
+              <a:t>combine metrics.</a:t>
+            </a:r>
+          </a:p>
+          <a:p>
+            <a:pPr marL="342900" indent="-342900">
+              <a:buFont typeface="Arial" charset="0"/>
+              <a:buChar char="•"/>
+            </a:pPr>
+            <a:r>
+              <a:rPr lang="en-US" sz="2200" dirty="0" smtClean="0"/>
+              <a:t>Elucidating a draft pick’s fair dollar value.</a:t>
+            </a:r>
+          </a:p>
+          <a:p>
+            <a:pPr marL="342900" indent="-342900">
+              <a:buFont typeface="Arial" charset="0"/>
+              <a:buChar char="•"/>
+            </a:pPr>
+            <a:r>
+              <a:rPr lang="en-US" sz="2200" dirty="0"/>
+              <a:t>P</a:t>
+            </a:r>
+            <a:r>
+              <a:rPr lang="en-US" sz="2200" dirty="0" smtClean="0"/>
+              <a:t>redicting </a:t>
+            </a:r>
+            <a:r>
+              <a:rPr lang="en-US" sz="2200" dirty="0"/>
+              <a:t>a player’s contribution to a team’s playoff performance in a trade.</a:t>
+            </a:r>
+            <a:endParaRPr lang="en-US" sz="2200" dirty="0"/>
+          </a:p>
+          <a:p>
+            <a:r>
+              <a:rPr lang="en-US" sz="2200" dirty="0"/>
+              <a:t/>
+            </a:r>
+            <a:br>
+              <a:rPr lang="en-US" sz="2200" dirty="0"/>
+            </a:br>
+            <a:r>
+              <a:rPr lang="en-US" sz="2200" dirty="0"/>
+              <a:t>A key statistic in all of our models is the </a:t>
+            </a:r>
+            <a:r>
+              <a:rPr lang="en-US" sz="2200" b="1" dirty="0"/>
+              <a:t>Approximate Value </a:t>
+            </a:r>
+            <a:r>
+              <a:rPr lang="en-US" sz="2200" dirty="0"/>
+              <a:t>(AV) of a player. AV is a metric </a:t>
+            </a:r>
+            <a:r>
+              <a:rPr lang="en-US" sz="2200" dirty="0" smtClean="0"/>
+              <a:t>developed by </a:t>
+            </a:r>
+            <a:r>
+              <a:rPr lang="en-US" sz="2200" i="1" dirty="0" smtClean="0"/>
+              <a:t>Pro Football Reference</a:t>
+            </a:r>
+            <a:r>
+              <a:rPr lang="en-US" sz="2200" b="1" i="1" dirty="0" smtClean="0"/>
+              <a:t> </a:t>
+            </a:r>
+            <a:r>
+              <a:rPr lang="en-US" sz="2200" dirty="0" smtClean="0"/>
+              <a:t>that </a:t>
+            </a:r>
+            <a:r>
+              <a:rPr lang="en-US" sz="2200" dirty="0"/>
+              <a:t>can be used as a proxy to describe the performance of a player at a given position over a period of one or more seasons. </a:t>
+            </a:r>
+            <a:endParaRPr lang="en-US" sz="2200" dirty="0"/>
+          </a:p>
+          <a:p>
+            <a:r>
+              <a:rPr lang="en-US" sz="2200" dirty="0"/>
+              <a:t/>
+            </a:r>
+            <a:br>
+              <a:rPr lang="en-US" sz="2200" dirty="0"/>
+            </a:br>
+            <a:endParaRPr lang="en-US" sz="2200" dirty="0">
+              <a:latin typeface="Times New Roman" panose="02020603050405020304" pitchFamily="18" charset="0"/>
+              <a:cs typeface="Times New Roman" panose="02020603050405020304" pitchFamily="18" charset="0"/>
+            </a:endParaRPr>
+          </a:p>
+        </p:txBody>
+      </p:sp>
+      <p:sp>
+        <p:nvSpPr>
+          <p:cNvPr id="58" name="Text Placeholder 24"/>
+          <p:cNvSpPr>
+            <a:spLocks noGrp="1"/>
+          </p:cNvSpPr>
+          <p:nvPr>
+            <p:ph type="body" sz="quarter" idx="24"/>
+          </p:nvPr>
+        </p:nvSpPr>
+        <p:spPr>
+          <a:xfrm>
+            <a:off x="28620107" y="23899113"/>
+            <a:ext cx="8801100" cy="584767"/>
+          </a:xfrm>
+        </p:spPr>
+        <p:txBody>
+          <a:bodyPr/>
+          <a:lstStyle/>
+          <a:p>
+            <a:r>
+              <a:rPr lang="en-US" sz="2600" u="none" dirty="0" smtClean="0">
+                <a:solidFill>
+                  <a:srgbClr val="002060"/>
+                </a:solidFill>
+              </a:rPr>
+              <a:t>Trading Tony </a:t>
+            </a:r>
+            <a:r>
+              <a:rPr lang="en-US" sz="2600" u="none" dirty="0" err="1" smtClean="0">
+                <a:solidFill>
+                  <a:srgbClr val="002060"/>
+                </a:solidFill>
+              </a:rPr>
+              <a:t>Romo</a:t>
+            </a:r>
+            <a:r>
+              <a:rPr lang="en-US" sz="2600" u="none" dirty="0" smtClean="0">
+                <a:solidFill>
+                  <a:srgbClr val="002060"/>
+                </a:solidFill>
+              </a:rPr>
+              <a:t> to the Houston Texans:</a:t>
+            </a:r>
+            <a:endParaRPr lang="en-US" sz="2600" u="none" dirty="0">
+              <a:solidFill>
+                <a:srgbClr val="002060"/>
+              </a:solidFill>
+            </a:endParaRPr>
+          </a:p>
+        </p:txBody>
+      </p:sp>
+      <p:pic>
+        <p:nvPicPr>
+          <p:cNvPr id="4118" name="Picture 22" descr="https://lh5.googleusercontent.com/uPtnJPO49X8qrYCb1ZVpF1iUtiHtMr1cQGJUbo-gC3FHPrQc-8-sa4HFe31XlZ0RCs-4whkQNgn7SGi5RQ0apqyiRonhDtHU8mdd7VNntKvEy6YQhYFMFQcuiZGZh2xMkuSroQTVBSM"/>
+          <p:cNvPicPr>
+            <a:picLocks noChangeAspect="1" noChangeArrowheads="1"/>
+          </p:cNvPicPr>
+          <p:nvPr/>
+        </p:nvPicPr>
+        <p:blipFill>
+          <a:blip r:embed="rId10">
+            <a:extLst>
+              <a:ext uri="{28A0092B-C50C-407E-A947-70E740481C1C}">
+                <a14:useLocalDpi xmlns:a14="http://schemas.microsoft.com/office/drawing/2010/main" val="0"/>
+              </a:ext>
+            </a:extLst>
+          </a:blip>
+          <a:srcRect/>
+          <a:stretch>
+            <a:fillRect/>
+          </a:stretch>
+        </p:blipFill>
+        <p:spPr bwMode="auto">
+          <a:xfrm>
+            <a:off x="19661634" y="22251593"/>
+            <a:ext cx="8422023" cy="5058272"/>
+          </a:xfrm>
+          <a:prstGeom prst="rect">
+            <a:avLst/>
+          </a:prstGeom>
+          <a:noFill/>
+          <a:extLst>
+            <a:ext uri="{909E8E84-426E-40DD-AFC4-6F175D3DCCD1}">
+              <a14:hiddenFill xmlns:a14="http://schemas.microsoft.com/office/drawing/2010/main">
+                <a:solidFill>
+                  <a:srgbClr val="FFFFFF"/>
+                </a:solidFill>
+              </a14:hiddenFill>
+            </a:ext>
+          </a:extLst>
+        </p:spPr>
+      </p:pic>
+      <p:sp>
+        <p:nvSpPr>
+          <p:cNvPr id="48" name="Text Placeholder 24"/>
+          <p:cNvSpPr>
+            <a:spLocks noGrp="1"/>
+          </p:cNvSpPr>
+          <p:nvPr>
+            <p:ph type="body" sz="quarter" idx="24"/>
+          </p:nvPr>
+        </p:nvSpPr>
+        <p:spPr>
+          <a:xfrm>
+            <a:off x="10158060" y="23305057"/>
+            <a:ext cx="8801100" cy="492434"/>
+          </a:xfrm>
+        </p:spPr>
+        <p:txBody>
+          <a:bodyPr/>
+          <a:lstStyle/>
+          <a:p>
+            <a:r>
+              <a:rPr lang="en-US" sz="2000" u="none" dirty="0" smtClean="0">
+                <a:solidFill>
+                  <a:srgbClr val="002060"/>
+                </a:solidFill>
+              </a:rPr>
+              <a:t>Pick Number vs.</a:t>
+            </a:r>
+            <a:r>
+              <a:rPr lang="en-US" sz="2000" u="none" dirty="0" smtClean="0">
+                <a:solidFill>
+                  <a:srgbClr val="002060"/>
+                </a:solidFill>
+              </a:rPr>
+              <a:t> Pick Value in Dollars</a:t>
+            </a:r>
+            <a:endParaRPr lang="en-US" sz="2000" u="none" dirty="0">
+              <a:solidFill>
+                <a:srgbClr val="002060"/>
+              </a:solidFill>
+            </a:endParaRPr>
+          </a:p>
+        </p:txBody>
+      </p:sp>
+      <p:sp>
+        <p:nvSpPr>
+          <p:cNvPr id="64" name="Text Placeholder 24"/>
+          <p:cNvSpPr>
+            <a:spLocks noGrp="1"/>
+          </p:cNvSpPr>
+          <p:nvPr>
+            <p:ph type="body" sz="quarter" idx="24"/>
+          </p:nvPr>
+        </p:nvSpPr>
+        <p:spPr>
+          <a:xfrm>
+            <a:off x="10232853" y="15959894"/>
+            <a:ext cx="8801100" cy="492434"/>
+          </a:xfrm>
+        </p:spPr>
+        <p:txBody>
+          <a:bodyPr/>
+          <a:lstStyle/>
+          <a:p>
+            <a:r>
+              <a:rPr lang="en-US" sz="2000" u="none" dirty="0" smtClean="0">
+                <a:solidFill>
+                  <a:srgbClr val="002060"/>
+                </a:solidFill>
+              </a:rPr>
+              <a:t>Pick Number vs. Average AV per Season over Rookie Contract (Log)</a:t>
+            </a:r>
+            <a:endParaRPr lang="en-US" sz="2000" u="none" dirty="0">
+              <a:solidFill>
+                <a:srgbClr val="002060"/>
+              </a:solidFill>
+            </a:endParaRPr>
+          </a:p>
+        </p:txBody>
+      </p:sp>
+      <p:sp>
+        <p:nvSpPr>
+          <p:cNvPr id="38" name="TextBox 37"/>
+          <p:cNvSpPr txBox="1"/>
+          <p:nvPr/>
+        </p:nvSpPr>
+        <p:spPr>
+          <a:xfrm>
+            <a:off x="10799713" y="12738953"/>
+            <a:ext cx="7770375" cy="3816429"/>
+          </a:xfrm>
+          <a:prstGeom prst="rect">
+            <a:avLst/>
+          </a:prstGeom>
+          <a:noFill/>
+        </p:spPr>
+        <p:txBody>
+          <a:bodyPr wrap="square" rtlCol="0">
+            <a:spAutoFit/>
+          </a:bodyPr>
+          <a:lstStyle/>
+          <a:p>
+            <a:r>
+              <a:rPr lang="en-US" sz="2200" dirty="0" smtClean="0"/>
+              <a:t>We </a:t>
+            </a:r>
+            <a:r>
+              <a:rPr lang="en-US" sz="2200" dirty="0"/>
+              <a:t>began by creating a ‘</a:t>
+            </a:r>
+            <a:r>
+              <a:rPr lang="en-US" sz="2200" b="1" dirty="0"/>
+              <a:t>fair salary</a:t>
+            </a:r>
+            <a:r>
+              <a:rPr lang="en-US" sz="2200" dirty="0"/>
+              <a:t>’ metric which measures the salary a player deserves to make </a:t>
+            </a:r>
+            <a:r>
+              <a:rPr lang="en-US" sz="2200" dirty="0" smtClean="0"/>
+              <a:t>based on </a:t>
+            </a:r>
+            <a:r>
+              <a:rPr lang="en-US" sz="2200" dirty="0"/>
+              <a:t>their performance for a given year. The formula for the fair salary of a </a:t>
+            </a:r>
+            <a:r>
+              <a:rPr lang="en-US" sz="2200" dirty="0" smtClean="0"/>
+              <a:t>player is:</a:t>
+            </a:r>
+            <a:endParaRPr lang="en-US" sz="2200" dirty="0"/>
+          </a:p>
+          <a:p>
+            <a:r>
+              <a:rPr lang="en-US" sz="2200" dirty="0" smtClean="0"/>
+              <a:t> </a:t>
+            </a:r>
+            <a:r>
+              <a:rPr lang="en-US" sz="2200" dirty="0"/>
+              <a:t/>
+            </a:r>
+            <a:br>
+              <a:rPr lang="en-US" sz="2200" dirty="0"/>
+            </a:br>
+            <a:endParaRPr lang="en-US" sz="2200" dirty="0" smtClean="0"/>
+          </a:p>
+          <a:p>
+            <a:endParaRPr lang="en-US" sz="2200" dirty="0" smtClean="0"/>
+          </a:p>
+          <a:p>
+            <a:r>
+              <a:rPr lang="en-US" sz="2200" dirty="0" smtClean="0"/>
+              <a:t>Next</a:t>
+            </a:r>
+            <a:r>
+              <a:rPr lang="en-US" sz="2200" dirty="0"/>
+              <a:t>, we wanted to value draft picks. </a:t>
+            </a:r>
+            <a:r>
+              <a:rPr lang="en-US" sz="2200" dirty="0" smtClean="0"/>
+              <a:t>Since NFL </a:t>
+            </a:r>
+            <a:r>
+              <a:rPr lang="en-US" sz="2200" dirty="0"/>
+              <a:t>rookie contracts are </a:t>
+            </a:r>
+            <a:r>
+              <a:rPr lang="en-US" sz="2200" dirty="0" smtClean="0"/>
+              <a:t>standardized and </a:t>
+            </a:r>
+            <a:r>
+              <a:rPr lang="en-US" sz="2200" dirty="0"/>
+              <a:t>four years </a:t>
+            </a:r>
+            <a:r>
+              <a:rPr lang="en-US" sz="2200" dirty="0" smtClean="0"/>
+              <a:t>long, we </a:t>
+            </a:r>
+            <a:r>
+              <a:rPr lang="en-US" sz="2200" dirty="0"/>
+              <a:t>looked at historical data for the performance over the first </a:t>
+            </a:r>
+            <a:r>
+              <a:rPr lang="en-US" sz="2200" b="1" dirty="0"/>
+              <a:t>four years</a:t>
+            </a:r>
+            <a:r>
+              <a:rPr lang="en-US" sz="2200" dirty="0"/>
+              <a:t> of a player’s career. </a:t>
+            </a:r>
+            <a:r>
+              <a:rPr lang="en-US" sz="2200" dirty="0"/>
+              <a:t/>
+            </a:r>
+            <a:br>
+              <a:rPr lang="en-US" sz="2200" dirty="0"/>
+            </a:br>
+            <a:r>
+              <a:rPr lang="en-US" sz="2200" dirty="0"/>
+              <a:t/>
+            </a:r>
+            <a:br>
+              <a:rPr lang="en-US" sz="2200" dirty="0"/>
+            </a:br>
+            <a:endParaRPr lang="en-US" sz="2200" dirty="0">
+              <a:latin typeface="Times New Roman" panose="02020603050405020304" pitchFamily="18" charset="0"/>
+              <a:cs typeface="Times New Roman" panose="02020603050405020304" pitchFamily="18" charset="0"/>
+            </a:endParaRPr>
+          </a:p>
+        </p:txBody>
+      </p:sp>
+      <p:sp>
+        <p:nvSpPr>
+          <p:cNvPr id="39" name="TextBox 38"/>
+          <p:cNvSpPr txBox="1"/>
+          <p:nvPr/>
+        </p:nvSpPr>
+        <p:spPr>
+          <a:xfrm>
+            <a:off x="10699781" y="5743888"/>
+            <a:ext cx="7692832" cy="2123658"/>
+          </a:xfrm>
+          <a:prstGeom prst="rect">
+            <a:avLst/>
+          </a:prstGeom>
+          <a:noFill/>
+        </p:spPr>
+        <p:txBody>
+          <a:bodyPr wrap="square" rtlCol="0">
+            <a:spAutoFit/>
+          </a:bodyPr>
+          <a:lstStyle/>
+          <a:p>
+            <a:r>
+              <a:rPr lang="en-US" sz="2200" dirty="0"/>
+              <a:t>Our goal with salary analysis was to value players and draft picks in relation to how much they are paid</a:t>
+            </a:r>
+            <a:r>
+              <a:rPr lang="en-US" sz="2200" dirty="0" smtClean="0"/>
+              <a:t>. </a:t>
+            </a:r>
+            <a:r>
+              <a:rPr lang="en-US" sz="2200" dirty="0"/>
+              <a:t>In other words, given the NFL’s salary cap restraint, the value of a player is </a:t>
+            </a:r>
+            <a:r>
+              <a:rPr lang="en-US" sz="2200" dirty="0" smtClean="0"/>
+              <a:t>determined not just by performance, </a:t>
+            </a:r>
+            <a:r>
+              <a:rPr lang="en-US" sz="2200" dirty="0"/>
+              <a:t>but </a:t>
+            </a:r>
+            <a:r>
+              <a:rPr lang="en-US" sz="2200" dirty="0" smtClean="0"/>
+              <a:t>also by how </a:t>
+            </a:r>
+            <a:r>
+              <a:rPr lang="en-US" sz="2200" dirty="0"/>
+              <a:t>much money </a:t>
+            </a:r>
+            <a:r>
+              <a:rPr lang="en-US" sz="2200" dirty="0" smtClean="0"/>
+              <a:t>must be spent to acquire that </a:t>
+            </a:r>
+            <a:r>
+              <a:rPr lang="en-US" sz="2200" dirty="0"/>
+              <a:t>player. </a:t>
+            </a:r>
+          </a:p>
+          <a:p>
+            <a:endParaRPr lang="en-US" sz="2200" dirty="0">
+              <a:latin typeface="Times New Roman" panose="02020603050405020304" pitchFamily="18" charset="0"/>
+              <a:cs typeface="Times New Roman" panose="02020603050405020304" pitchFamily="18" charset="0"/>
+            </a:endParaRPr>
+          </a:p>
+        </p:txBody>
+      </p:sp>
+      <p:pic>
+        <p:nvPicPr>
+          <p:cNvPr id="40" name="Picture 39"/>
+          <p:cNvPicPr>
+            <a:picLocks noChangeAspect="1"/>
+          </p:cNvPicPr>
+          <p:nvPr/>
+        </p:nvPicPr>
+        <p:blipFill>
+          <a:blip r:embed="rId11">
+            <a:extLst>
+              <a:ext uri="{28A0092B-C50C-407E-A947-70E740481C1C}">
+                <a14:useLocalDpi xmlns:a14="http://schemas.microsoft.com/office/drawing/2010/main" val="0"/>
+              </a:ext>
+            </a:extLst>
+          </a:blip>
+          <a:stretch>
+            <a:fillRect/>
+          </a:stretch>
+        </p:blipFill>
+        <p:spPr>
+          <a:xfrm>
+            <a:off x="11110560" y="14039631"/>
+            <a:ext cx="6896100" cy="482600"/>
+          </a:xfrm>
+          <a:prstGeom prst="rect">
+            <a:avLst/>
+          </a:prstGeom>
+        </p:spPr>
+      </p:pic>
+      <p:sp>
+        <p:nvSpPr>
+          <p:cNvPr id="41" name="TextBox 40"/>
+          <p:cNvSpPr txBox="1"/>
+          <p:nvPr/>
+        </p:nvSpPr>
+        <p:spPr>
+          <a:xfrm>
+            <a:off x="10699782" y="20796811"/>
+            <a:ext cx="7791928" cy="2123658"/>
+          </a:xfrm>
+          <a:prstGeom prst="rect">
+            <a:avLst/>
+          </a:prstGeom>
+          <a:noFill/>
+        </p:spPr>
+        <p:txBody>
+          <a:bodyPr wrap="square" rtlCol="0">
+            <a:spAutoFit/>
+          </a:bodyPr>
+          <a:lstStyle/>
+          <a:p>
+            <a:r>
+              <a:rPr lang="en-US" sz="2200" dirty="0"/>
+              <a:t>Fitting an </a:t>
+            </a:r>
+            <a:r>
+              <a:rPr lang="en-US" sz="2200" b="1" dirty="0"/>
+              <a:t>exponential regression</a:t>
+            </a:r>
+            <a:r>
+              <a:rPr lang="en-US" sz="2200" dirty="0"/>
+              <a:t> to </a:t>
+            </a:r>
+            <a:r>
+              <a:rPr lang="en-US" sz="2200" dirty="0" smtClean="0"/>
+              <a:t>these data, </a:t>
+            </a:r>
+            <a:r>
+              <a:rPr lang="en-US" sz="2200" dirty="0"/>
+              <a:t>we can approximate a player’s AV contributions over their rookie contract given their draft </a:t>
+            </a:r>
+            <a:r>
+              <a:rPr lang="en-US" sz="2200" dirty="0" smtClean="0"/>
+              <a:t>pick number. </a:t>
+            </a:r>
+            <a:r>
+              <a:rPr lang="en-US" sz="2200" dirty="0"/>
+              <a:t>From here, </a:t>
+            </a:r>
+            <a:r>
+              <a:rPr lang="en-US" sz="2200" dirty="0" smtClean="0"/>
+              <a:t>we </a:t>
+            </a:r>
+            <a:r>
+              <a:rPr lang="en-US" sz="2200" dirty="0"/>
+              <a:t>approximated the fair contract for each </a:t>
+            </a:r>
+            <a:r>
+              <a:rPr lang="en-US" sz="2200" dirty="0" smtClean="0"/>
+              <a:t>rookie </a:t>
+            </a:r>
+            <a:r>
+              <a:rPr lang="en-US" sz="2200" dirty="0"/>
+              <a:t>using our fair salary </a:t>
+            </a:r>
+            <a:r>
+              <a:rPr lang="en-US" sz="2200" dirty="0" smtClean="0"/>
+              <a:t>metric. The </a:t>
+            </a:r>
+            <a:r>
+              <a:rPr lang="en-US" sz="2200" dirty="0"/>
+              <a:t>true value of a draft pick </a:t>
+            </a:r>
+            <a:r>
+              <a:rPr lang="en-US" sz="2200" dirty="0" smtClean="0"/>
+              <a:t>can be construed as the </a:t>
+            </a:r>
+            <a:r>
+              <a:rPr lang="en-US" sz="2200" dirty="0"/>
+              <a:t>difference between the actual and fair salaries of a draft </a:t>
+            </a:r>
+            <a:r>
+              <a:rPr lang="en-US" sz="2200" dirty="0" smtClean="0"/>
+              <a:t>pick.</a:t>
+            </a:r>
+            <a:endParaRPr lang="en-US" sz="2200" dirty="0">
               <a:latin typeface="Times New Roman" panose="02020603050405020304" pitchFamily="18" charset="0"/>
               <a:cs typeface="Times New Roman" panose="02020603050405020304" pitchFamily="18" charset="0"/>
             </a:endParaRPr>
